--- a/Java/并发/Java多线程/配图.pptx
+++ b/Java/并发/Java多线程/配图.pptx
@@ -553,7 +553,7 @@
           <p:cNvPr id="4097" name="Rectangle 1">
             <a:extLst>
               <a:ext uri="{FF2B5EF4-FFF2-40B4-BE49-F238E27FC236}">
-                <a16:creationId xmlns:a16="http://schemas.microsoft.com/office/drawing/2014/main" xmlns="" id="{565A64E7-9CD6-4CA0-BB1F-239A37432A4C}"/>
+                <a16:creationId xmlns="" xmlns:a16="http://schemas.microsoft.com/office/drawing/2014/main" id="{565A64E7-9CD6-4CA0-BB1F-239A37432A4C}"/>
               </a:ext>
             </a:extLst>
           </p:cNvPr>
@@ -613,7 +613,7 @@
           <p:cNvPr id="4098" name="Rectangle 2">
             <a:extLst>
               <a:ext uri="{FF2B5EF4-FFF2-40B4-BE49-F238E27FC236}">
-                <a16:creationId xmlns:a16="http://schemas.microsoft.com/office/drawing/2014/main" xmlns="" id="{BEC89F56-1C5B-450B-BA44-8C5C6738B526}"/>
+                <a16:creationId xmlns="" xmlns:a16="http://schemas.microsoft.com/office/drawing/2014/main" id="{BEC89F56-1C5B-450B-BA44-8C5C6738B526}"/>
               </a:ext>
             </a:extLst>
           </p:cNvPr>
@@ -896,7 +896,7 @@
           <p:cNvPr id="2" name="标题 1">
             <a:extLst>
               <a:ext uri="{FF2B5EF4-FFF2-40B4-BE49-F238E27FC236}">
-                <a16:creationId xmlns:a16="http://schemas.microsoft.com/office/drawing/2014/main" xmlns="" id="{33920F4C-4250-4125-8984-E27C967C7C91}"/>
+                <a16:creationId xmlns="" xmlns:a16="http://schemas.microsoft.com/office/drawing/2014/main" id="{33920F4C-4250-4125-8984-E27C967C7C91}"/>
               </a:ext>
             </a:extLst>
           </p:cNvPr>
@@ -936,7 +936,7 @@
           <p:cNvPr id="3" name="副标题 2">
             <a:extLst>
               <a:ext uri="{FF2B5EF4-FFF2-40B4-BE49-F238E27FC236}">
-                <a16:creationId xmlns:a16="http://schemas.microsoft.com/office/drawing/2014/main" xmlns="" id="{CCF65E6E-81FD-4631-BDBA-343341FD9BED}"/>
+                <a16:creationId xmlns="" xmlns:a16="http://schemas.microsoft.com/office/drawing/2014/main" id="{CCF65E6E-81FD-4631-BDBA-343341FD9BED}"/>
               </a:ext>
             </a:extLst>
           </p:cNvPr>
@@ -1009,7 +1009,7 @@
           <p:cNvPr id="4" name="灯片编号占位符 3">
             <a:extLst>
               <a:ext uri="{FF2B5EF4-FFF2-40B4-BE49-F238E27FC236}">
-                <a16:creationId xmlns:a16="http://schemas.microsoft.com/office/drawing/2014/main" xmlns="" id="{47937965-0035-43F3-A8F9-BA99A5C466AA}"/>
+                <a16:creationId xmlns="" xmlns:a16="http://schemas.microsoft.com/office/drawing/2014/main" id="{47937965-0035-43F3-A8F9-BA99A5C466AA}"/>
               </a:ext>
             </a:extLst>
           </p:cNvPr>
@@ -1073,7 +1073,7 @@
           <p:cNvPr id="2" name="标题 1">
             <a:extLst>
               <a:ext uri="{FF2B5EF4-FFF2-40B4-BE49-F238E27FC236}">
-                <a16:creationId xmlns:a16="http://schemas.microsoft.com/office/drawing/2014/main" xmlns="" id="{5B0188C7-8DF4-45E6-BB0A-3DE8FA47D954}"/>
+                <a16:creationId xmlns="" xmlns:a16="http://schemas.microsoft.com/office/drawing/2014/main" id="{5B0188C7-8DF4-45E6-BB0A-3DE8FA47D954}"/>
               </a:ext>
             </a:extLst>
           </p:cNvPr>
@@ -1109,7 +1109,7 @@
           <p:cNvPr id="3" name="竖排文字占位符 2">
             <a:extLst>
               <a:ext uri="{FF2B5EF4-FFF2-40B4-BE49-F238E27FC236}">
-                <a16:creationId xmlns:a16="http://schemas.microsoft.com/office/drawing/2014/main" xmlns="" id="{332766E8-BF75-446A-964B-9715DDF66D28}"/>
+                <a16:creationId xmlns="" xmlns:a16="http://schemas.microsoft.com/office/drawing/2014/main" id="{332766E8-BF75-446A-964B-9715DDF66D28}"/>
               </a:ext>
             </a:extLst>
           </p:cNvPr>
@@ -1174,7 +1174,7 @@
           <p:cNvPr id="4" name="灯片编号占位符 3">
             <a:extLst>
               <a:ext uri="{FF2B5EF4-FFF2-40B4-BE49-F238E27FC236}">
-                <a16:creationId xmlns:a16="http://schemas.microsoft.com/office/drawing/2014/main" xmlns="" id="{553A1DE0-A6FD-4D1F-A299-AD52DB77F17D}"/>
+                <a16:creationId xmlns="" xmlns:a16="http://schemas.microsoft.com/office/drawing/2014/main" id="{553A1DE0-A6FD-4D1F-A299-AD52DB77F17D}"/>
               </a:ext>
             </a:extLst>
           </p:cNvPr>
@@ -1238,7 +1238,7 @@
           <p:cNvPr id="2" name="竖排标题 1">
             <a:extLst>
               <a:ext uri="{FF2B5EF4-FFF2-40B4-BE49-F238E27FC236}">
-                <a16:creationId xmlns:a16="http://schemas.microsoft.com/office/drawing/2014/main" xmlns="" id="{91216533-0BD7-4F3B-AC52-7D59BF32C6B7}"/>
+                <a16:creationId xmlns="" xmlns:a16="http://schemas.microsoft.com/office/drawing/2014/main" id="{91216533-0BD7-4F3B-AC52-7D59BF32C6B7}"/>
               </a:ext>
             </a:extLst>
           </p:cNvPr>
@@ -1274,7 +1274,7 @@
           <p:cNvPr id="3" name="竖排文字占位符 2">
             <a:extLst>
               <a:ext uri="{FF2B5EF4-FFF2-40B4-BE49-F238E27FC236}">
-                <a16:creationId xmlns:a16="http://schemas.microsoft.com/office/drawing/2014/main" xmlns="" id="{4B9DCB10-4EE5-4A4E-A344-9273E798B8A0}"/>
+                <a16:creationId xmlns="" xmlns:a16="http://schemas.microsoft.com/office/drawing/2014/main" id="{4B9DCB10-4EE5-4A4E-A344-9273E798B8A0}"/>
               </a:ext>
             </a:extLst>
           </p:cNvPr>
@@ -1339,7 +1339,7 @@
           <p:cNvPr id="4" name="灯片编号占位符 3">
             <a:extLst>
               <a:ext uri="{FF2B5EF4-FFF2-40B4-BE49-F238E27FC236}">
-                <a16:creationId xmlns:a16="http://schemas.microsoft.com/office/drawing/2014/main" xmlns="" id="{36606AC1-ADDE-49A6-9E3D-5F936A179597}"/>
+                <a16:creationId xmlns="" xmlns:a16="http://schemas.microsoft.com/office/drawing/2014/main" id="{36606AC1-ADDE-49A6-9E3D-5F936A179597}"/>
               </a:ext>
             </a:extLst>
           </p:cNvPr>
@@ -1403,7 +1403,7 @@
           <p:cNvPr id="2" name="标题 1">
             <a:extLst>
               <a:ext uri="{FF2B5EF4-FFF2-40B4-BE49-F238E27FC236}">
-                <a16:creationId xmlns:a16="http://schemas.microsoft.com/office/drawing/2014/main" xmlns="" id="{1AB45643-41E5-4F8A-A3FB-70282E6F91E4}"/>
+                <a16:creationId xmlns="" xmlns:a16="http://schemas.microsoft.com/office/drawing/2014/main" id="{1AB45643-41E5-4F8A-A3FB-70282E6F91E4}"/>
               </a:ext>
             </a:extLst>
           </p:cNvPr>
@@ -1439,7 +1439,7 @@
           <p:cNvPr id="3" name="内容占位符 2">
             <a:extLst>
               <a:ext uri="{FF2B5EF4-FFF2-40B4-BE49-F238E27FC236}">
-                <a16:creationId xmlns:a16="http://schemas.microsoft.com/office/drawing/2014/main" xmlns="" id="{E635A896-792B-4191-811D-D0D9BE8A97FD}"/>
+                <a16:creationId xmlns="" xmlns:a16="http://schemas.microsoft.com/office/drawing/2014/main" id="{E635A896-792B-4191-811D-D0D9BE8A97FD}"/>
               </a:ext>
             </a:extLst>
           </p:cNvPr>
@@ -1504,7 +1504,7 @@
           <p:cNvPr id="4" name="灯片编号占位符 3">
             <a:extLst>
               <a:ext uri="{FF2B5EF4-FFF2-40B4-BE49-F238E27FC236}">
-                <a16:creationId xmlns:a16="http://schemas.microsoft.com/office/drawing/2014/main" xmlns="" id="{2752FF08-65C9-4F66-835B-7EDC0DD8252F}"/>
+                <a16:creationId xmlns="" xmlns:a16="http://schemas.microsoft.com/office/drawing/2014/main" id="{2752FF08-65C9-4F66-835B-7EDC0DD8252F}"/>
               </a:ext>
             </a:extLst>
           </p:cNvPr>
@@ -1568,7 +1568,7 @@
           <p:cNvPr id="2" name="标题 1">
             <a:extLst>
               <a:ext uri="{FF2B5EF4-FFF2-40B4-BE49-F238E27FC236}">
-                <a16:creationId xmlns:a16="http://schemas.microsoft.com/office/drawing/2014/main" xmlns="" id="{DEF0F9E6-6E4E-4C9E-A98D-EF8DABD21CAB}"/>
+                <a16:creationId xmlns="" xmlns:a16="http://schemas.microsoft.com/office/drawing/2014/main" id="{DEF0F9E6-6E4E-4C9E-A98D-EF8DABD21CAB}"/>
               </a:ext>
             </a:extLst>
           </p:cNvPr>
@@ -1608,7 +1608,7 @@
           <p:cNvPr id="3" name="文本占位符 2">
             <a:extLst>
               <a:ext uri="{FF2B5EF4-FFF2-40B4-BE49-F238E27FC236}">
-                <a16:creationId xmlns:a16="http://schemas.microsoft.com/office/drawing/2014/main" xmlns="" id="{8D9ABEE6-AE6E-4050-8164-5EBC00252ACF}"/>
+                <a16:creationId xmlns="" xmlns:a16="http://schemas.microsoft.com/office/drawing/2014/main" id="{8D9ABEE6-AE6E-4050-8164-5EBC00252ACF}"/>
               </a:ext>
             </a:extLst>
           </p:cNvPr>
@@ -1682,7 +1682,7 @@
           <p:cNvPr id="4" name="灯片编号占位符 3">
             <a:extLst>
               <a:ext uri="{FF2B5EF4-FFF2-40B4-BE49-F238E27FC236}">
-                <a16:creationId xmlns:a16="http://schemas.microsoft.com/office/drawing/2014/main" xmlns="" id="{8E786AA7-4871-4B03-B855-2BCA04E63482}"/>
+                <a16:creationId xmlns="" xmlns:a16="http://schemas.microsoft.com/office/drawing/2014/main" id="{8E786AA7-4871-4B03-B855-2BCA04E63482}"/>
               </a:ext>
             </a:extLst>
           </p:cNvPr>
@@ -1746,7 +1746,7 @@
           <p:cNvPr id="2" name="标题 1">
             <a:extLst>
               <a:ext uri="{FF2B5EF4-FFF2-40B4-BE49-F238E27FC236}">
-                <a16:creationId xmlns:a16="http://schemas.microsoft.com/office/drawing/2014/main" xmlns="" id="{757AFEB8-002C-464E-9FC8-10826243CD30}"/>
+                <a16:creationId xmlns="" xmlns:a16="http://schemas.microsoft.com/office/drawing/2014/main" id="{757AFEB8-002C-464E-9FC8-10826243CD30}"/>
               </a:ext>
             </a:extLst>
           </p:cNvPr>
@@ -1782,7 +1782,7 @@
           <p:cNvPr id="3" name="内容占位符 2">
             <a:extLst>
               <a:ext uri="{FF2B5EF4-FFF2-40B4-BE49-F238E27FC236}">
-                <a16:creationId xmlns:a16="http://schemas.microsoft.com/office/drawing/2014/main" xmlns="" id="{343C147F-0E80-4BC5-88C0-0B13AB1C0E8E}"/>
+                <a16:creationId xmlns="" xmlns:a16="http://schemas.microsoft.com/office/drawing/2014/main" id="{343C147F-0E80-4BC5-88C0-0B13AB1C0E8E}"/>
               </a:ext>
             </a:extLst>
           </p:cNvPr>
@@ -1847,7 +1847,7 @@
           <p:cNvPr id="4" name="内容占位符 3">
             <a:extLst>
               <a:ext uri="{FF2B5EF4-FFF2-40B4-BE49-F238E27FC236}">
-                <a16:creationId xmlns:a16="http://schemas.microsoft.com/office/drawing/2014/main" xmlns="" id="{ABE29A0D-470A-4D24-B5E4-D69B45AFAA1A}"/>
+                <a16:creationId xmlns="" xmlns:a16="http://schemas.microsoft.com/office/drawing/2014/main" id="{ABE29A0D-470A-4D24-B5E4-D69B45AFAA1A}"/>
               </a:ext>
             </a:extLst>
           </p:cNvPr>
@@ -1912,7 +1912,7 @@
           <p:cNvPr id="5" name="灯片编号占位符 4">
             <a:extLst>
               <a:ext uri="{FF2B5EF4-FFF2-40B4-BE49-F238E27FC236}">
-                <a16:creationId xmlns:a16="http://schemas.microsoft.com/office/drawing/2014/main" xmlns="" id="{3D4E71FC-FA32-40B2-A781-96D870E3A664}"/>
+                <a16:creationId xmlns="" xmlns:a16="http://schemas.microsoft.com/office/drawing/2014/main" id="{3D4E71FC-FA32-40B2-A781-96D870E3A664}"/>
               </a:ext>
             </a:extLst>
           </p:cNvPr>
@@ -1976,7 +1976,7 @@
           <p:cNvPr id="2" name="标题 1">
             <a:extLst>
               <a:ext uri="{FF2B5EF4-FFF2-40B4-BE49-F238E27FC236}">
-                <a16:creationId xmlns:a16="http://schemas.microsoft.com/office/drawing/2014/main" xmlns="" id="{D088E822-3460-4549-B734-2357F8BD35D2}"/>
+                <a16:creationId xmlns="" xmlns:a16="http://schemas.microsoft.com/office/drawing/2014/main" id="{D088E822-3460-4549-B734-2357F8BD35D2}"/>
               </a:ext>
             </a:extLst>
           </p:cNvPr>
@@ -2012,7 +2012,7 @@
           <p:cNvPr id="3" name="文本占位符 2">
             <a:extLst>
               <a:ext uri="{FF2B5EF4-FFF2-40B4-BE49-F238E27FC236}">
-                <a16:creationId xmlns:a16="http://schemas.microsoft.com/office/drawing/2014/main" xmlns="" id="{25F6B7B6-AAD1-46DE-812D-E279B2BA4CAA}"/>
+                <a16:creationId xmlns="" xmlns:a16="http://schemas.microsoft.com/office/drawing/2014/main" id="{25F6B7B6-AAD1-46DE-812D-E279B2BA4CAA}"/>
               </a:ext>
             </a:extLst>
           </p:cNvPr>
@@ -2086,7 +2086,7 @@
           <p:cNvPr id="4" name="内容占位符 3">
             <a:extLst>
               <a:ext uri="{FF2B5EF4-FFF2-40B4-BE49-F238E27FC236}">
-                <a16:creationId xmlns:a16="http://schemas.microsoft.com/office/drawing/2014/main" xmlns="" id="{E6EF8512-4BCF-429F-98B6-A40F21E02F3B}"/>
+                <a16:creationId xmlns="" xmlns:a16="http://schemas.microsoft.com/office/drawing/2014/main" id="{E6EF8512-4BCF-429F-98B6-A40F21E02F3B}"/>
               </a:ext>
             </a:extLst>
           </p:cNvPr>
@@ -2151,7 +2151,7 @@
           <p:cNvPr id="5" name="文本占位符 4">
             <a:extLst>
               <a:ext uri="{FF2B5EF4-FFF2-40B4-BE49-F238E27FC236}">
-                <a16:creationId xmlns:a16="http://schemas.microsoft.com/office/drawing/2014/main" xmlns="" id="{2E43955C-CB2E-44EA-8DEC-762EDA6D8F57}"/>
+                <a16:creationId xmlns="" xmlns:a16="http://schemas.microsoft.com/office/drawing/2014/main" id="{2E43955C-CB2E-44EA-8DEC-762EDA6D8F57}"/>
               </a:ext>
             </a:extLst>
           </p:cNvPr>
@@ -2225,7 +2225,7 @@
           <p:cNvPr id="6" name="内容占位符 5">
             <a:extLst>
               <a:ext uri="{FF2B5EF4-FFF2-40B4-BE49-F238E27FC236}">
-                <a16:creationId xmlns:a16="http://schemas.microsoft.com/office/drawing/2014/main" xmlns="" id="{FF04F6E5-926D-46BC-967B-30BA700C57B5}"/>
+                <a16:creationId xmlns="" xmlns:a16="http://schemas.microsoft.com/office/drawing/2014/main" id="{FF04F6E5-926D-46BC-967B-30BA700C57B5}"/>
               </a:ext>
             </a:extLst>
           </p:cNvPr>
@@ -2290,7 +2290,7 @@
           <p:cNvPr id="7" name="灯片编号占位符 6">
             <a:extLst>
               <a:ext uri="{FF2B5EF4-FFF2-40B4-BE49-F238E27FC236}">
-                <a16:creationId xmlns:a16="http://schemas.microsoft.com/office/drawing/2014/main" xmlns="" id="{A67352EA-DCBA-42ED-B669-CF6A9048E629}"/>
+                <a16:creationId xmlns="" xmlns:a16="http://schemas.microsoft.com/office/drawing/2014/main" id="{A67352EA-DCBA-42ED-B669-CF6A9048E629}"/>
               </a:ext>
             </a:extLst>
           </p:cNvPr>
@@ -2354,7 +2354,7 @@
           <p:cNvPr id="2" name="标题 1">
             <a:extLst>
               <a:ext uri="{FF2B5EF4-FFF2-40B4-BE49-F238E27FC236}">
-                <a16:creationId xmlns:a16="http://schemas.microsoft.com/office/drawing/2014/main" xmlns="" id="{566439B8-A890-4BF3-A5FC-9269282A0AA1}"/>
+                <a16:creationId xmlns="" xmlns:a16="http://schemas.microsoft.com/office/drawing/2014/main" id="{566439B8-A890-4BF3-A5FC-9269282A0AA1}"/>
               </a:ext>
             </a:extLst>
           </p:cNvPr>
@@ -2390,7 +2390,7 @@
           <p:cNvPr id="3" name="灯片编号占位符 2">
             <a:extLst>
               <a:ext uri="{FF2B5EF4-FFF2-40B4-BE49-F238E27FC236}">
-                <a16:creationId xmlns:a16="http://schemas.microsoft.com/office/drawing/2014/main" xmlns="" id="{DC232DAC-B15C-46F2-8CAE-846C4A5E236A}"/>
+                <a16:creationId xmlns="" xmlns:a16="http://schemas.microsoft.com/office/drawing/2014/main" id="{DC232DAC-B15C-46F2-8CAE-846C4A5E236A}"/>
               </a:ext>
             </a:extLst>
           </p:cNvPr>
@@ -2454,7 +2454,7 @@
           <p:cNvPr id="2" name="灯片编号占位符 1">
             <a:extLst>
               <a:ext uri="{FF2B5EF4-FFF2-40B4-BE49-F238E27FC236}">
-                <a16:creationId xmlns:a16="http://schemas.microsoft.com/office/drawing/2014/main" xmlns="" id="{97A36CCC-2ABB-464B-82A7-289602FB00C7}"/>
+                <a16:creationId xmlns="" xmlns:a16="http://schemas.microsoft.com/office/drawing/2014/main" id="{97A36CCC-2ABB-464B-82A7-289602FB00C7}"/>
               </a:ext>
             </a:extLst>
           </p:cNvPr>
@@ -2518,7 +2518,7 @@
           <p:cNvPr id="2" name="标题 1">
             <a:extLst>
               <a:ext uri="{FF2B5EF4-FFF2-40B4-BE49-F238E27FC236}">
-                <a16:creationId xmlns:a16="http://schemas.microsoft.com/office/drawing/2014/main" xmlns="" id="{34A01729-8E96-427E-B87C-84725AC1F1A2}"/>
+                <a16:creationId xmlns="" xmlns:a16="http://schemas.microsoft.com/office/drawing/2014/main" id="{34A01729-8E96-427E-B87C-84725AC1F1A2}"/>
               </a:ext>
             </a:extLst>
           </p:cNvPr>
@@ -2558,7 +2558,7 @@
           <p:cNvPr id="3" name="内容占位符 2">
             <a:extLst>
               <a:ext uri="{FF2B5EF4-FFF2-40B4-BE49-F238E27FC236}">
-                <a16:creationId xmlns:a16="http://schemas.microsoft.com/office/drawing/2014/main" xmlns="" id="{E129B704-0C29-4DA0-AAE3-8730A27EC2C3}"/>
+                <a16:creationId xmlns="" xmlns:a16="http://schemas.microsoft.com/office/drawing/2014/main" id="{E129B704-0C29-4DA0-AAE3-8730A27EC2C3}"/>
               </a:ext>
             </a:extLst>
           </p:cNvPr>
@@ -2651,7 +2651,7 @@
           <p:cNvPr id="4" name="文本占位符 3">
             <a:extLst>
               <a:ext uri="{FF2B5EF4-FFF2-40B4-BE49-F238E27FC236}">
-                <a16:creationId xmlns:a16="http://schemas.microsoft.com/office/drawing/2014/main" xmlns="" id="{BD61614F-03CD-4D7C-AB94-0D876667233E}"/>
+                <a16:creationId xmlns="" xmlns:a16="http://schemas.microsoft.com/office/drawing/2014/main" id="{BD61614F-03CD-4D7C-AB94-0D876667233E}"/>
               </a:ext>
             </a:extLst>
           </p:cNvPr>
@@ -2725,7 +2725,7 @@
           <p:cNvPr id="5" name="灯片编号占位符 4">
             <a:extLst>
               <a:ext uri="{FF2B5EF4-FFF2-40B4-BE49-F238E27FC236}">
-                <a16:creationId xmlns:a16="http://schemas.microsoft.com/office/drawing/2014/main" xmlns="" id="{5F584EEA-F424-4D5A-9512-C341C6F74527}"/>
+                <a16:creationId xmlns="" xmlns:a16="http://schemas.microsoft.com/office/drawing/2014/main" id="{5F584EEA-F424-4D5A-9512-C341C6F74527}"/>
               </a:ext>
             </a:extLst>
           </p:cNvPr>
@@ -2789,7 +2789,7 @@
           <p:cNvPr id="2" name="标题 1">
             <a:extLst>
               <a:ext uri="{FF2B5EF4-FFF2-40B4-BE49-F238E27FC236}">
-                <a16:creationId xmlns:a16="http://schemas.microsoft.com/office/drawing/2014/main" xmlns="" id="{8AC0D9A2-D4AA-4901-B563-F938E76BA47B}"/>
+                <a16:creationId xmlns="" xmlns:a16="http://schemas.microsoft.com/office/drawing/2014/main" id="{8AC0D9A2-D4AA-4901-B563-F938E76BA47B}"/>
               </a:ext>
             </a:extLst>
           </p:cNvPr>
@@ -2829,7 +2829,7 @@
           <p:cNvPr id="3" name="图片占位符 2">
             <a:extLst>
               <a:ext uri="{FF2B5EF4-FFF2-40B4-BE49-F238E27FC236}">
-                <a16:creationId xmlns:a16="http://schemas.microsoft.com/office/drawing/2014/main" xmlns="" id="{55B52424-42FD-4880-9E96-0C7B44DF59E6}"/>
+                <a16:creationId xmlns="" xmlns:a16="http://schemas.microsoft.com/office/drawing/2014/main" id="{55B52424-42FD-4880-9E96-0C7B44DF59E6}"/>
               </a:ext>
             </a:extLst>
           </p:cNvPr>
@@ -2899,7 +2899,7 @@
           <p:cNvPr id="4" name="文本占位符 3">
             <a:extLst>
               <a:ext uri="{FF2B5EF4-FFF2-40B4-BE49-F238E27FC236}">
-                <a16:creationId xmlns:a16="http://schemas.microsoft.com/office/drawing/2014/main" xmlns="" id="{A9ACC898-B51A-4746-96CF-9C1B90950FE9}"/>
+                <a16:creationId xmlns="" xmlns:a16="http://schemas.microsoft.com/office/drawing/2014/main" id="{A9ACC898-B51A-4746-96CF-9C1B90950FE9}"/>
               </a:ext>
             </a:extLst>
           </p:cNvPr>
@@ -2973,7 +2973,7 @@
           <p:cNvPr id="5" name="灯片编号占位符 4">
             <a:extLst>
               <a:ext uri="{FF2B5EF4-FFF2-40B4-BE49-F238E27FC236}">
-                <a16:creationId xmlns:a16="http://schemas.microsoft.com/office/drawing/2014/main" xmlns="" id="{FF76DA64-88F7-483C-AE16-E94C47973A01}"/>
+                <a16:creationId xmlns="" xmlns:a16="http://schemas.microsoft.com/office/drawing/2014/main" id="{FF76DA64-88F7-483C-AE16-E94C47973A01}"/>
               </a:ext>
             </a:extLst>
           </p:cNvPr>
@@ -3045,7 +3045,7 @@
           <p:cNvPr id="2049" name="Picture 1" descr="ppt元素-11.png">
             <a:extLst>
               <a:ext uri="{FF2B5EF4-FFF2-40B4-BE49-F238E27FC236}">
-                <a16:creationId xmlns:a16="http://schemas.microsoft.com/office/drawing/2014/main" xmlns="" id="{4CBE4F7A-DF60-480C-A0F2-6DFBCF878D11}"/>
+                <a16:creationId xmlns="" xmlns:a16="http://schemas.microsoft.com/office/drawing/2014/main" id="{4CBE4F7A-DF60-480C-A0F2-6DFBCF878D11}"/>
               </a:ext>
             </a:extLst>
           </p:cNvPr>
@@ -3116,7 +3116,7 @@
           <p:cNvPr id="2050" name="Rectangle 2">
             <a:extLst>
               <a:ext uri="{FF2B5EF4-FFF2-40B4-BE49-F238E27FC236}">
-                <a16:creationId xmlns:a16="http://schemas.microsoft.com/office/drawing/2014/main" xmlns="" id="{8C0EE73C-67BB-4C42-8BD8-750C3733AD42}"/>
+                <a16:creationId xmlns="" xmlns:a16="http://schemas.microsoft.com/office/drawing/2014/main" id="{8C0EE73C-67BB-4C42-8BD8-750C3733AD42}"/>
               </a:ext>
             </a:extLst>
           </p:cNvPr>
@@ -3667,7 +3667,7 @@
           <p:cNvPr id="130" name="图片 129">
             <a:extLst>
               <a:ext uri="{FF2B5EF4-FFF2-40B4-BE49-F238E27FC236}">
-                <a16:creationId xmlns:a16="http://schemas.microsoft.com/office/drawing/2014/main" xmlns="" id="{B27082CE-F585-4353-A929-E3F22C942B9B}"/>
+                <a16:creationId xmlns="" xmlns:a16="http://schemas.microsoft.com/office/drawing/2014/main" id="{B27082CE-F585-4353-A929-E3F22C942B9B}"/>
               </a:ext>
             </a:extLst>
           </p:cNvPr>
@@ -3709,7 +3709,7 @@
           <p:cNvPr id="90" name="矩形 89">
             <a:extLst>
               <a:ext uri="{FF2B5EF4-FFF2-40B4-BE49-F238E27FC236}">
-                <a16:creationId xmlns:a16="http://schemas.microsoft.com/office/drawing/2014/main" xmlns="" id="{5A144FCF-CFF8-4F8F-874F-5264DB762EA9}"/>
+                <a16:creationId xmlns="" xmlns:a16="http://schemas.microsoft.com/office/drawing/2014/main" id="{5A144FCF-CFF8-4F8F-874F-5264DB762EA9}"/>
               </a:ext>
             </a:extLst>
           </p:cNvPr>
@@ -3779,7 +3779,7 @@
           <p:cNvPr id="105" name="流程图: 过程 104">
             <a:extLst>
               <a:ext uri="{FF2B5EF4-FFF2-40B4-BE49-F238E27FC236}">
-                <a16:creationId xmlns:a16="http://schemas.microsoft.com/office/drawing/2014/main" xmlns="" id="{BDED005D-0EFC-426D-AA82-B1BDCA6FFD69}"/>
+                <a16:creationId xmlns="" xmlns:a16="http://schemas.microsoft.com/office/drawing/2014/main" id="{BDED005D-0EFC-426D-AA82-B1BDCA6FFD69}"/>
               </a:ext>
             </a:extLst>
           </p:cNvPr>
@@ -3840,7 +3840,7 @@
           <p:cNvPr id="54" name="矩形 53">
             <a:extLst>
               <a:ext uri="{FF2B5EF4-FFF2-40B4-BE49-F238E27FC236}">
-                <a16:creationId xmlns:a16="http://schemas.microsoft.com/office/drawing/2014/main" xmlns="" id="{5A144FCF-CFF8-4F8F-874F-5264DB762EA9}"/>
+                <a16:creationId xmlns="" xmlns:a16="http://schemas.microsoft.com/office/drawing/2014/main" id="{5A144FCF-CFF8-4F8F-874F-5264DB762EA9}"/>
               </a:ext>
             </a:extLst>
           </p:cNvPr>
@@ -3911,7 +3911,7 @@
           <p:cNvPr id="55" name="矩形 54">
             <a:extLst>
               <a:ext uri="{FF2B5EF4-FFF2-40B4-BE49-F238E27FC236}">
-                <a16:creationId xmlns:a16="http://schemas.microsoft.com/office/drawing/2014/main" xmlns="" id="{5A144FCF-CFF8-4F8F-874F-5264DB762EA9}"/>
+                <a16:creationId xmlns="" xmlns:a16="http://schemas.microsoft.com/office/drawing/2014/main" id="{5A144FCF-CFF8-4F8F-874F-5264DB762EA9}"/>
               </a:ext>
             </a:extLst>
           </p:cNvPr>
@@ -3959,7 +3959,7 @@
           <p:cNvPr id="56" name="矩形 55">
             <a:extLst>
               <a:ext uri="{FF2B5EF4-FFF2-40B4-BE49-F238E27FC236}">
-                <a16:creationId xmlns:a16="http://schemas.microsoft.com/office/drawing/2014/main" xmlns="" id="{5A144FCF-CFF8-4F8F-874F-5264DB762EA9}"/>
+                <a16:creationId xmlns="" xmlns:a16="http://schemas.microsoft.com/office/drawing/2014/main" id="{5A144FCF-CFF8-4F8F-874F-5264DB762EA9}"/>
               </a:ext>
             </a:extLst>
           </p:cNvPr>
@@ -4006,7 +4006,7 @@
           <p:cNvPr id="57" name="矩形 56">
             <a:extLst>
               <a:ext uri="{FF2B5EF4-FFF2-40B4-BE49-F238E27FC236}">
-                <a16:creationId xmlns:a16="http://schemas.microsoft.com/office/drawing/2014/main" xmlns="" id="{5A144FCF-CFF8-4F8F-874F-5264DB762EA9}"/>
+                <a16:creationId xmlns="" xmlns:a16="http://schemas.microsoft.com/office/drawing/2014/main" id="{5A144FCF-CFF8-4F8F-874F-5264DB762EA9}"/>
               </a:ext>
             </a:extLst>
           </p:cNvPr>
@@ -4076,7 +4076,7 @@
           <p:cNvPr id="58" name="矩形 57">
             <a:extLst>
               <a:ext uri="{FF2B5EF4-FFF2-40B4-BE49-F238E27FC236}">
-                <a16:creationId xmlns:a16="http://schemas.microsoft.com/office/drawing/2014/main" xmlns="" id="{5A144FCF-CFF8-4F8F-874F-5264DB762EA9}"/>
+                <a16:creationId xmlns="" xmlns:a16="http://schemas.microsoft.com/office/drawing/2014/main" id="{5A144FCF-CFF8-4F8F-874F-5264DB762EA9}"/>
               </a:ext>
             </a:extLst>
           </p:cNvPr>
@@ -4161,7 +4161,7 @@
             <p:cNvPr id="113" name="图片 112">
               <a:extLst>
                 <a:ext uri="{FF2B5EF4-FFF2-40B4-BE49-F238E27FC236}">
-                  <a16:creationId xmlns:a16="http://schemas.microsoft.com/office/drawing/2014/main" xmlns="" id="{B27082CE-F585-4353-A929-E3F22C942B9B}"/>
+                  <a16:creationId xmlns="" xmlns:a16="http://schemas.microsoft.com/office/drawing/2014/main" id="{B27082CE-F585-4353-A929-E3F22C942B9B}"/>
                 </a:ext>
               </a:extLst>
             </p:cNvPr>
@@ -4204,7 +4204,7 @@
             <p:cNvPr id="59" name="矩形 58">
               <a:extLst>
                 <a:ext uri="{FF2B5EF4-FFF2-40B4-BE49-F238E27FC236}">
-                  <a16:creationId xmlns:a16="http://schemas.microsoft.com/office/drawing/2014/main" xmlns="" id="{5A144FCF-CFF8-4F8F-874F-5264DB762EA9}"/>
+                  <a16:creationId xmlns="" xmlns:a16="http://schemas.microsoft.com/office/drawing/2014/main" id="{5A144FCF-CFF8-4F8F-874F-5264DB762EA9}"/>
                 </a:ext>
               </a:extLst>
             </p:cNvPr>
@@ -4252,7 +4252,7 @@
             <p:cNvPr id="61" name="矩形 60">
               <a:extLst>
                 <a:ext uri="{FF2B5EF4-FFF2-40B4-BE49-F238E27FC236}">
-                  <a16:creationId xmlns:a16="http://schemas.microsoft.com/office/drawing/2014/main" xmlns="" id="{5A144FCF-CFF8-4F8F-874F-5264DB762EA9}"/>
+                  <a16:creationId xmlns="" xmlns:a16="http://schemas.microsoft.com/office/drawing/2014/main" id="{5A144FCF-CFF8-4F8F-874F-5264DB762EA9}"/>
                 </a:ext>
               </a:extLst>
             </p:cNvPr>
@@ -4299,7 +4299,7 @@
             <p:cNvPr id="62" name="矩形 61">
               <a:extLst>
                 <a:ext uri="{FF2B5EF4-FFF2-40B4-BE49-F238E27FC236}">
-                  <a16:creationId xmlns:a16="http://schemas.microsoft.com/office/drawing/2014/main" xmlns="" id="{5A144FCF-CFF8-4F8F-874F-5264DB762EA9}"/>
+                  <a16:creationId xmlns="" xmlns:a16="http://schemas.microsoft.com/office/drawing/2014/main" id="{5A144FCF-CFF8-4F8F-874F-5264DB762EA9}"/>
                 </a:ext>
               </a:extLst>
             </p:cNvPr>
@@ -4369,7 +4369,7 @@
             <p:cNvPr id="63" name="流程图: 过程 62">
               <a:extLst>
                 <a:ext uri="{FF2B5EF4-FFF2-40B4-BE49-F238E27FC236}">
-                  <a16:creationId xmlns:a16="http://schemas.microsoft.com/office/drawing/2014/main" xmlns="" id="{BDED005D-0EFC-426D-AA82-B1BDCA6FFD69}"/>
+                  <a16:creationId xmlns="" xmlns:a16="http://schemas.microsoft.com/office/drawing/2014/main" id="{BDED005D-0EFC-426D-AA82-B1BDCA6FFD69}"/>
                 </a:ext>
               </a:extLst>
             </p:cNvPr>
@@ -4445,7 +4445,7 @@
             <p:cNvPr id="115" name="图片 114">
               <a:extLst>
                 <a:ext uri="{FF2B5EF4-FFF2-40B4-BE49-F238E27FC236}">
-                  <a16:creationId xmlns:a16="http://schemas.microsoft.com/office/drawing/2014/main" xmlns="" id="{B27082CE-F585-4353-A929-E3F22C942B9B}"/>
+                  <a16:creationId xmlns="" xmlns:a16="http://schemas.microsoft.com/office/drawing/2014/main" id="{B27082CE-F585-4353-A929-E3F22C942B9B}"/>
                 </a:ext>
               </a:extLst>
             </p:cNvPr>
@@ -4488,7 +4488,7 @@
             <p:cNvPr id="116" name="矩形 115">
               <a:extLst>
                 <a:ext uri="{FF2B5EF4-FFF2-40B4-BE49-F238E27FC236}">
-                  <a16:creationId xmlns:a16="http://schemas.microsoft.com/office/drawing/2014/main" xmlns="" id="{5A144FCF-CFF8-4F8F-874F-5264DB762EA9}"/>
+                  <a16:creationId xmlns="" xmlns:a16="http://schemas.microsoft.com/office/drawing/2014/main" id="{5A144FCF-CFF8-4F8F-874F-5264DB762EA9}"/>
                 </a:ext>
               </a:extLst>
             </p:cNvPr>
@@ -4536,7 +4536,7 @@
             <p:cNvPr id="117" name="矩形 116">
               <a:extLst>
                 <a:ext uri="{FF2B5EF4-FFF2-40B4-BE49-F238E27FC236}">
-                  <a16:creationId xmlns:a16="http://schemas.microsoft.com/office/drawing/2014/main" xmlns="" id="{5A144FCF-CFF8-4F8F-874F-5264DB762EA9}"/>
+                  <a16:creationId xmlns="" xmlns:a16="http://schemas.microsoft.com/office/drawing/2014/main" id="{5A144FCF-CFF8-4F8F-874F-5264DB762EA9}"/>
                 </a:ext>
               </a:extLst>
             </p:cNvPr>
@@ -4583,7 +4583,7 @@
             <p:cNvPr id="118" name="矩形 117">
               <a:extLst>
                 <a:ext uri="{FF2B5EF4-FFF2-40B4-BE49-F238E27FC236}">
-                  <a16:creationId xmlns:a16="http://schemas.microsoft.com/office/drawing/2014/main" xmlns="" id="{5A144FCF-CFF8-4F8F-874F-5264DB762EA9}"/>
+                  <a16:creationId xmlns="" xmlns:a16="http://schemas.microsoft.com/office/drawing/2014/main" id="{5A144FCF-CFF8-4F8F-874F-5264DB762EA9}"/>
                 </a:ext>
               </a:extLst>
             </p:cNvPr>
@@ -4653,7 +4653,7 @@
             <p:cNvPr id="119" name="流程图: 过程 118">
               <a:extLst>
                 <a:ext uri="{FF2B5EF4-FFF2-40B4-BE49-F238E27FC236}">
-                  <a16:creationId xmlns:a16="http://schemas.microsoft.com/office/drawing/2014/main" xmlns="" id="{BDED005D-0EFC-426D-AA82-B1BDCA6FFD69}"/>
+                  <a16:creationId xmlns="" xmlns:a16="http://schemas.microsoft.com/office/drawing/2014/main" id="{BDED005D-0EFC-426D-AA82-B1BDCA6FFD69}"/>
                 </a:ext>
               </a:extLst>
             </p:cNvPr>
@@ -4729,7 +4729,7 @@
             <p:cNvPr id="121" name="图片 120">
               <a:extLst>
                 <a:ext uri="{FF2B5EF4-FFF2-40B4-BE49-F238E27FC236}">
-                  <a16:creationId xmlns:a16="http://schemas.microsoft.com/office/drawing/2014/main" xmlns="" id="{B27082CE-F585-4353-A929-E3F22C942B9B}"/>
+                  <a16:creationId xmlns="" xmlns:a16="http://schemas.microsoft.com/office/drawing/2014/main" id="{B27082CE-F585-4353-A929-E3F22C942B9B}"/>
                 </a:ext>
               </a:extLst>
             </p:cNvPr>
@@ -4772,7 +4772,7 @@
             <p:cNvPr id="122" name="矩形 121">
               <a:extLst>
                 <a:ext uri="{FF2B5EF4-FFF2-40B4-BE49-F238E27FC236}">
-                  <a16:creationId xmlns:a16="http://schemas.microsoft.com/office/drawing/2014/main" xmlns="" id="{5A144FCF-CFF8-4F8F-874F-5264DB762EA9}"/>
+                  <a16:creationId xmlns="" xmlns:a16="http://schemas.microsoft.com/office/drawing/2014/main" id="{5A144FCF-CFF8-4F8F-874F-5264DB762EA9}"/>
                 </a:ext>
               </a:extLst>
             </p:cNvPr>
@@ -4820,7 +4820,7 @@
             <p:cNvPr id="123" name="矩形 122">
               <a:extLst>
                 <a:ext uri="{FF2B5EF4-FFF2-40B4-BE49-F238E27FC236}">
-                  <a16:creationId xmlns:a16="http://schemas.microsoft.com/office/drawing/2014/main" xmlns="" id="{5A144FCF-CFF8-4F8F-874F-5264DB762EA9}"/>
+                  <a16:creationId xmlns="" xmlns:a16="http://schemas.microsoft.com/office/drawing/2014/main" id="{5A144FCF-CFF8-4F8F-874F-5264DB762EA9}"/>
                 </a:ext>
               </a:extLst>
             </p:cNvPr>
@@ -4867,7 +4867,7 @@
             <p:cNvPr id="124" name="矩形 123">
               <a:extLst>
                 <a:ext uri="{FF2B5EF4-FFF2-40B4-BE49-F238E27FC236}">
-                  <a16:creationId xmlns:a16="http://schemas.microsoft.com/office/drawing/2014/main" xmlns="" id="{5A144FCF-CFF8-4F8F-874F-5264DB762EA9}"/>
+                  <a16:creationId xmlns="" xmlns:a16="http://schemas.microsoft.com/office/drawing/2014/main" id="{5A144FCF-CFF8-4F8F-874F-5264DB762EA9}"/>
                 </a:ext>
               </a:extLst>
             </p:cNvPr>
@@ -4937,7 +4937,7 @@
             <p:cNvPr id="125" name="流程图: 过程 124">
               <a:extLst>
                 <a:ext uri="{FF2B5EF4-FFF2-40B4-BE49-F238E27FC236}">
-                  <a16:creationId xmlns:a16="http://schemas.microsoft.com/office/drawing/2014/main" xmlns="" id="{BDED005D-0EFC-426D-AA82-B1BDCA6FFD69}"/>
+                  <a16:creationId xmlns="" xmlns:a16="http://schemas.microsoft.com/office/drawing/2014/main" id="{BDED005D-0EFC-426D-AA82-B1BDCA6FFD69}"/>
                 </a:ext>
               </a:extLst>
             </p:cNvPr>
@@ -4999,7 +4999,7 @@
           <p:cNvPr id="126" name="流程图: 过程 125">
             <a:extLst>
               <a:ext uri="{FF2B5EF4-FFF2-40B4-BE49-F238E27FC236}">
-                <a16:creationId xmlns:a16="http://schemas.microsoft.com/office/drawing/2014/main" xmlns="" id="{BDED005D-0EFC-426D-AA82-B1BDCA6FFD69}"/>
+                <a16:creationId xmlns="" xmlns:a16="http://schemas.microsoft.com/office/drawing/2014/main" id="{BDED005D-0EFC-426D-AA82-B1BDCA6FFD69}"/>
               </a:ext>
             </a:extLst>
           </p:cNvPr>
@@ -5060,7 +5060,7 @@
           <p:cNvPr id="127" name="矩形 126">
             <a:extLst>
               <a:ext uri="{FF2B5EF4-FFF2-40B4-BE49-F238E27FC236}">
-                <a16:creationId xmlns:a16="http://schemas.microsoft.com/office/drawing/2014/main" xmlns="" id="{5A144FCF-CFF8-4F8F-874F-5264DB762EA9}"/>
+                <a16:creationId xmlns="" xmlns:a16="http://schemas.microsoft.com/office/drawing/2014/main" id="{5A144FCF-CFF8-4F8F-874F-5264DB762EA9}"/>
               </a:ext>
             </a:extLst>
           </p:cNvPr>
@@ -5105,7 +5105,7 @@
           <p:cNvPr id="128" name="矩形 127">
             <a:extLst>
               <a:ext uri="{FF2B5EF4-FFF2-40B4-BE49-F238E27FC236}">
-                <a16:creationId xmlns:a16="http://schemas.microsoft.com/office/drawing/2014/main" xmlns="" id="{5A144FCF-CFF8-4F8F-874F-5264DB762EA9}"/>
+                <a16:creationId xmlns="" xmlns:a16="http://schemas.microsoft.com/office/drawing/2014/main" id="{5A144FCF-CFF8-4F8F-874F-5264DB762EA9}"/>
               </a:ext>
             </a:extLst>
           </p:cNvPr>
@@ -5150,7 +5150,7 @@
           <p:cNvPr id="129" name="流程图: 过程 128">
             <a:extLst>
               <a:ext uri="{FF2B5EF4-FFF2-40B4-BE49-F238E27FC236}">
-                <a16:creationId xmlns:a16="http://schemas.microsoft.com/office/drawing/2014/main" xmlns="" id="{7D761539-DBB3-41A3-A16E-CCE8736D3E74}"/>
+                <a16:creationId xmlns="" xmlns:a16="http://schemas.microsoft.com/office/drawing/2014/main" id="{7D761539-DBB3-41A3-A16E-CCE8736D3E74}"/>
               </a:ext>
             </a:extLst>
           </p:cNvPr>
@@ -5256,7 +5256,7 @@
           <p:cNvPr id="71" name="图片 70">
             <a:extLst>
               <a:ext uri="{FF2B5EF4-FFF2-40B4-BE49-F238E27FC236}">
-                <a16:creationId xmlns:a16="http://schemas.microsoft.com/office/drawing/2014/main" xmlns="" id="{B27082CE-F585-4353-A929-E3F22C942B9B}"/>
+                <a16:creationId xmlns="" xmlns:a16="http://schemas.microsoft.com/office/drawing/2014/main" id="{B27082CE-F585-4353-A929-E3F22C942B9B}"/>
               </a:ext>
             </a:extLst>
           </p:cNvPr>
@@ -6172,7 +6172,7 @@
           <p:cNvPr id="52" name="流程图: 过程 51">
             <a:extLst>
               <a:ext uri="{FF2B5EF4-FFF2-40B4-BE49-F238E27FC236}">
-                <a16:creationId xmlns:a16="http://schemas.microsoft.com/office/drawing/2014/main" xmlns="" id="{BDED005D-0EFC-426D-AA82-B1BDCA6FFD69}"/>
+                <a16:creationId xmlns="" xmlns:a16="http://schemas.microsoft.com/office/drawing/2014/main" id="{BDED005D-0EFC-426D-AA82-B1BDCA6FFD69}"/>
               </a:ext>
             </a:extLst>
           </p:cNvPr>
@@ -6240,7 +6240,7 @@
           <p:cNvPr id="53" name="流程图: 过程 52">
             <a:extLst>
               <a:ext uri="{FF2B5EF4-FFF2-40B4-BE49-F238E27FC236}">
-                <a16:creationId xmlns:a16="http://schemas.microsoft.com/office/drawing/2014/main" xmlns="" id="{BDED005D-0EFC-426D-AA82-B1BDCA6FFD69}"/>
+                <a16:creationId xmlns="" xmlns:a16="http://schemas.microsoft.com/office/drawing/2014/main" id="{BDED005D-0EFC-426D-AA82-B1BDCA6FFD69}"/>
               </a:ext>
             </a:extLst>
           </p:cNvPr>
@@ -6308,7 +6308,7 @@
           <p:cNvPr id="60" name="流程图: 过程 59">
             <a:extLst>
               <a:ext uri="{FF2B5EF4-FFF2-40B4-BE49-F238E27FC236}">
-                <a16:creationId xmlns:a16="http://schemas.microsoft.com/office/drawing/2014/main" xmlns="" id="{BDED005D-0EFC-426D-AA82-B1BDCA6FFD69}"/>
+                <a16:creationId xmlns="" xmlns:a16="http://schemas.microsoft.com/office/drawing/2014/main" id="{BDED005D-0EFC-426D-AA82-B1BDCA6FFD69}"/>
               </a:ext>
             </a:extLst>
           </p:cNvPr>
@@ -6378,7 +6378,7 @@
           <p:cNvPr id="64" name="流程图: 过程 63">
             <a:extLst>
               <a:ext uri="{FF2B5EF4-FFF2-40B4-BE49-F238E27FC236}">
-                <a16:creationId xmlns:a16="http://schemas.microsoft.com/office/drawing/2014/main" xmlns="" id="{BDED005D-0EFC-426D-AA82-B1BDCA6FFD69}"/>
+                <a16:creationId xmlns="" xmlns:a16="http://schemas.microsoft.com/office/drawing/2014/main" id="{BDED005D-0EFC-426D-AA82-B1BDCA6FFD69}"/>
               </a:ext>
             </a:extLst>
           </p:cNvPr>
@@ -6439,7 +6439,7 @@
           <p:cNvPr id="65" name="流程图: 过程 64">
             <a:extLst>
               <a:ext uri="{FF2B5EF4-FFF2-40B4-BE49-F238E27FC236}">
-                <a16:creationId xmlns:a16="http://schemas.microsoft.com/office/drawing/2014/main" xmlns="" id="{BDED005D-0EFC-426D-AA82-B1BDCA6FFD69}"/>
+                <a16:creationId xmlns="" xmlns:a16="http://schemas.microsoft.com/office/drawing/2014/main" id="{BDED005D-0EFC-426D-AA82-B1BDCA6FFD69}"/>
               </a:ext>
             </a:extLst>
           </p:cNvPr>
@@ -6500,7 +6500,7 @@
           <p:cNvPr id="66" name="流程图: 过程 65">
             <a:extLst>
               <a:ext uri="{FF2B5EF4-FFF2-40B4-BE49-F238E27FC236}">
-                <a16:creationId xmlns:a16="http://schemas.microsoft.com/office/drawing/2014/main" xmlns="" id="{BDED005D-0EFC-426D-AA82-B1BDCA6FFD69}"/>
+                <a16:creationId xmlns="" xmlns:a16="http://schemas.microsoft.com/office/drawing/2014/main" id="{BDED005D-0EFC-426D-AA82-B1BDCA6FFD69}"/>
               </a:ext>
             </a:extLst>
           </p:cNvPr>
@@ -6561,7 +6561,7 @@
           <p:cNvPr id="67" name="流程图: 过程 66">
             <a:extLst>
               <a:ext uri="{FF2B5EF4-FFF2-40B4-BE49-F238E27FC236}">
-                <a16:creationId xmlns:a16="http://schemas.microsoft.com/office/drawing/2014/main" xmlns="" id="{BDED005D-0EFC-426D-AA82-B1BDCA6FFD69}"/>
+                <a16:creationId xmlns="" xmlns:a16="http://schemas.microsoft.com/office/drawing/2014/main" id="{BDED005D-0EFC-426D-AA82-B1BDCA6FFD69}"/>
               </a:ext>
             </a:extLst>
           </p:cNvPr>
@@ -6632,7 +6632,7 @@
           <p:cNvPr id="68" name="流程图: 过程 67">
             <a:extLst>
               <a:ext uri="{FF2B5EF4-FFF2-40B4-BE49-F238E27FC236}">
-                <a16:creationId xmlns:a16="http://schemas.microsoft.com/office/drawing/2014/main" xmlns="" id="{BDED005D-0EFC-426D-AA82-B1BDCA6FFD69}"/>
+                <a16:creationId xmlns="" xmlns:a16="http://schemas.microsoft.com/office/drawing/2014/main" id="{BDED005D-0EFC-426D-AA82-B1BDCA6FFD69}"/>
               </a:ext>
             </a:extLst>
           </p:cNvPr>
@@ -6703,7 +6703,7 @@
           <p:cNvPr id="69" name="流程图: 过程 68">
             <a:extLst>
               <a:ext uri="{FF2B5EF4-FFF2-40B4-BE49-F238E27FC236}">
-                <a16:creationId xmlns:a16="http://schemas.microsoft.com/office/drawing/2014/main" xmlns="" id="{BDED005D-0EFC-426D-AA82-B1BDCA6FFD69}"/>
+                <a16:creationId xmlns="" xmlns:a16="http://schemas.microsoft.com/office/drawing/2014/main" id="{BDED005D-0EFC-426D-AA82-B1BDCA6FFD69}"/>
               </a:ext>
             </a:extLst>
           </p:cNvPr>
@@ -6780,7 +6780,7 @@
           <p:cNvPr id="70" name="流程图: 过程 69">
             <a:extLst>
               <a:ext uri="{FF2B5EF4-FFF2-40B4-BE49-F238E27FC236}">
-                <a16:creationId xmlns:a16="http://schemas.microsoft.com/office/drawing/2014/main" xmlns="" id="{7D761539-DBB3-41A3-A16E-CCE8736D3E74}"/>
+                <a16:creationId xmlns="" xmlns:a16="http://schemas.microsoft.com/office/drawing/2014/main" id="{7D761539-DBB3-41A3-A16E-CCE8736D3E74}"/>
               </a:ext>
             </a:extLst>
           </p:cNvPr>
@@ -6896,7 +6896,7 @@
           <p:cNvPr id="29" name="图片 28">
             <a:extLst>
               <a:ext uri="{FF2B5EF4-FFF2-40B4-BE49-F238E27FC236}">
-                <a16:creationId xmlns:a16="http://schemas.microsoft.com/office/drawing/2014/main" xmlns="" id="{C49BA596-B860-41A3-9734-D1BA0CD74A42}"/>
+                <a16:creationId xmlns="" xmlns:a16="http://schemas.microsoft.com/office/drawing/2014/main" id="{C49BA596-B860-41A3-9734-D1BA0CD74A42}"/>
               </a:ext>
             </a:extLst>
           </p:cNvPr>
@@ -6919,8 +6919,8 @@
         </p:blipFill>
         <p:spPr>
           <a:xfrm>
-            <a:off x="1847528" y="2060848"/>
-            <a:ext cx="7272808" cy="2160239"/>
+            <a:off x="1889774" y="2060848"/>
+            <a:ext cx="7446585" cy="2736304"/>
           </a:xfrm>
           <a:prstGeom prst="rect">
             <a:avLst/>
@@ -6938,7 +6938,7 @@
           <p:cNvPr id="30" name="表格 29">
             <a:extLst>
               <a:ext uri="{FF2B5EF4-FFF2-40B4-BE49-F238E27FC236}">
-                <a16:creationId xmlns:a16="http://schemas.microsoft.com/office/drawing/2014/main" xmlns="" id="{FF252C29-EF21-4355-A912-49256C22FA06}"/>
+                <a16:creationId xmlns="" xmlns:a16="http://schemas.microsoft.com/office/drawing/2014/main" id="{FF252C29-EF21-4355-A912-49256C22FA06}"/>
               </a:ext>
             </a:extLst>
           </p:cNvPr>
@@ -6948,31 +6948,31 @@
           <p:nvPr>
             <p:extLst>
               <p:ext uri="{D42A27DB-BD31-4B8C-83A1-F6EECF244321}">
-                <p14:modId xmlns:p14="http://schemas.microsoft.com/office/powerpoint/2010/main" val="280617992"/>
+                <p14:modId xmlns:p14="http://schemas.microsoft.com/office/powerpoint/2010/main" val="804263265"/>
               </p:ext>
             </p:extLst>
           </p:nvPr>
         </p:nvGraphicFramePr>
         <p:xfrm>
           <a:off x="2024544" y="2236608"/>
-          <a:ext cx="6951776" cy="1401393"/>
+          <a:ext cx="7167800" cy="1957515"/>
         </p:xfrm>
         <a:graphic>
           <a:graphicData uri="http://schemas.openxmlformats.org/drawingml/2006/table">
             <a:tbl>
               <a:tblPr/>
               <a:tblGrid>
-                <a:gridCol w="3666386">
+                <a:gridCol w="3780318">
                   <a:extLst>
                     <a:ext uri="{9D8B030D-6E8A-4147-A177-3AD203B41FA5}">
-                      <a16:colId xmlns:a16="http://schemas.microsoft.com/office/drawing/2014/main" xmlns="" val="3723654050"/>
+                      <a16:colId xmlns="" xmlns:a16="http://schemas.microsoft.com/office/drawing/2014/main" val="3723654050"/>
                     </a:ext>
                   </a:extLst>
                 </a:gridCol>
-                <a:gridCol w="3285390">
+                <a:gridCol w="3387482">
                   <a:extLst>
                     <a:ext uri="{9D8B030D-6E8A-4147-A177-3AD203B41FA5}">
-                      <a16:colId xmlns:a16="http://schemas.microsoft.com/office/drawing/2014/main" xmlns="" val="4270415431"/>
+                      <a16:colId xmlns="" xmlns:a16="http://schemas.microsoft.com/office/drawing/2014/main" val="4270415431"/>
                     </a:ext>
                   </a:extLst>
                 </a:gridCol>
@@ -7124,7 +7124,7 @@
                 </a:tc>
                 <a:extLst>
                   <a:ext uri="{0D108BD9-81ED-4DB2-BD59-A6C34878D82A}">
-                    <a16:rowId xmlns:a16="http://schemas.microsoft.com/office/drawing/2014/main" xmlns="" val="1556317445"/>
+                    <a16:rowId xmlns="" xmlns:a16="http://schemas.microsoft.com/office/drawing/2014/main" val="1556317445"/>
                   </a:ext>
                 </a:extLst>
               </a:tr>
@@ -7364,7 +7364,7 @@
                 </a:tc>
                 <a:extLst>
                   <a:ext uri="{0D108BD9-81ED-4DB2-BD59-A6C34878D82A}">
-                    <a16:rowId xmlns:a16="http://schemas.microsoft.com/office/drawing/2014/main" xmlns="" val="1172037100"/>
+                    <a16:rowId xmlns="" xmlns:a16="http://schemas.microsoft.com/office/drawing/2014/main" val="1172037100"/>
                   </a:ext>
                 </a:extLst>
               </a:tr>
@@ -7571,9 +7571,217 @@
                 </a:tc>
                 <a:extLst>
                   <a:ext uri="{0D108BD9-81ED-4DB2-BD59-A6C34878D82A}">
-                    <a16:rowId xmlns:a16="http://schemas.microsoft.com/office/drawing/2014/main" xmlns="" val="2243676995"/>
+                    <a16:rowId xmlns="" xmlns:a16="http://schemas.microsoft.com/office/drawing/2014/main" val="2243676995"/>
                   </a:ext>
                 </a:extLst>
+              </a:tr>
+              <a:tr h="556122">
+                <a:tc>
+                  <a:txBody>
+                    <a:bodyPr/>
+                    <a:lstStyle/>
+                    <a:p>
+                      <a:pPr algn="ctr" fontAlgn="ctr">
+                        <a:lnSpc>
+                          <a:spcPct val="150000"/>
+                        </a:lnSpc>
+                      </a:pPr>
+                      <a:r>
+                        <a:rPr lang="en-US" altLang="zh-CN" sz="1400" kern="1200" dirty="0" err="1" smtClean="0">
+                          <a:solidFill>
+                            <a:schemeClr val="bg1"/>
+                          </a:solidFill>
+                          <a:effectLst/>
+                          <a:latin typeface="微软雅黑" panose="020B0503020204020204" pitchFamily="34" charset="-122"/>
+                          <a:ea typeface="微软雅黑" panose="020B0503020204020204" pitchFamily="34" charset="-122"/>
+                          <a:cs typeface="+mn-cs"/>
+                        </a:rPr>
+                        <a:t>LockSupport.park</a:t>
+                      </a:r>
+                      <a:r>
+                        <a:rPr lang="en-US" altLang="zh-CN" sz="1400" kern="1200" dirty="0" smtClean="0">
+                          <a:solidFill>
+                            <a:schemeClr val="bg1"/>
+                          </a:solidFill>
+                          <a:effectLst/>
+                          <a:latin typeface="微软雅黑" panose="020B0503020204020204" pitchFamily="34" charset="-122"/>
+                          <a:ea typeface="微软雅黑" panose="020B0503020204020204" pitchFamily="34" charset="-122"/>
+                          <a:cs typeface="+mn-cs"/>
+                        </a:rPr>
+                        <a:t>() </a:t>
+                      </a:r>
+                      <a:r>
+                        <a:rPr lang="zh-CN" altLang="en-US" sz="1400" kern="1200" dirty="0" smtClean="0">
+                          <a:solidFill>
+                            <a:schemeClr val="bg1"/>
+                          </a:solidFill>
+                          <a:effectLst/>
+                          <a:latin typeface="微软雅黑" panose="020B0503020204020204" pitchFamily="34" charset="-122"/>
+                          <a:ea typeface="微软雅黑" panose="020B0503020204020204" pitchFamily="34" charset="-122"/>
+                          <a:cs typeface="+mn-cs"/>
+                        </a:rPr>
+                        <a:t>方法</a:t>
+                      </a:r>
+                      <a:endParaRPr lang="zh-CN" altLang="en-US" sz="1400" kern="1200" dirty="0">
+                        <a:solidFill>
+                          <a:schemeClr val="bg1"/>
+                        </a:solidFill>
+                        <a:effectLst/>
+                        <a:latin typeface="微软雅黑" panose="020B0503020204020204" pitchFamily="34" charset="-122"/>
+                        <a:ea typeface="微软雅黑" panose="020B0503020204020204" pitchFamily="34" charset="-122"/>
+                        <a:cs typeface="+mn-cs"/>
+                      </a:endParaRPr>
+                    </a:p>
+                  </a:txBody>
+                  <a:tcPr marL="18100" marR="18100" marT="18100" marB="18100" anchor="ctr">
+                    <a:lnL w="9525" cap="flat" cmpd="sng" algn="ctr">
+                      <a:solidFill>
+                        <a:srgbClr val="DDDDDD"/>
+                      </a:solidFill>
+                      <a:prstDash val="solid"/>
+                      <a:round/>
+                      <a:headEnd type="none" w="med" len="med"/>
+                      <a:tailEnd type="none" w="med" len="med"/>
+                    </a:lnL>
+                    <a:lnR w="9525" cap="flat" cmpd="sng" algn="ctr">
+                      <a:solidFill>
+                        <a:srgbClr val="DDDDDD"/>
+                      </a:solidFill>
+                      <a:prstDash val="solid"/>
+                      <a:round/>
+                      <a:headEnd type="none" w="med" len="med"/>
+                      <a:tailEnd type="none" w="med" len="med"/>
+                    </a:lnR>
+                    <a:lnT w="9525" cap="flat" cmpd="sng" algn="ctr">
+                      <a:solidFill>
+                        <a:srgbClr val="DDDDDD"/>
+                      </a:solidFill>
+                      <a:prstDash val="solid"/>
+                      <a:round/>
+                      <a:headEnd type="none" w="med" len="med"/>
+                      <a:tailEnd type="none" w="med" len="med"/>
+                    </a:lnT>
+                    <a:lnB w="9525" cap="flat" cmpd="sng" algn="ctr">
+                      <a:solidFill>
+                        <a:srgbClr val="DDDDDD"/>
+                      </a:solidFill>
+                      <a:prstDash val="solid"/>
+                      <a:round/>
+                      <a:headEnd type="none" w="med" len="med"/>
+                      <a:tailEnd type="none" w="med" len="med"/>
+                    </a:lnB>
+                    <a:noFill/>
+                  </a:tcPr>
+                </a:tc>
+                <a:tc>
+                  <a:txBody>
+                    <a:bodyPr/>
+                    <a:lstStyle/>
+                    <a:p>
+                      <a:pPr marL="0" marR="0" lvl="0" indent="0" algn="ctr" defTabSz="914400" rtl="0" eaLnBrk="1" fontAlgn="ctr" latinLnBrk="0" hangingPunct="1">
+                        <a:lnSpc>
+                          <a:spcPct val="150000"/>
+                        </a:lnSpc>
+                        <a:spcBef>
+                          <a:spcPts val="0"/>
+                        </a:spcBef>
+                        <a:spcAft>
+                          <a:spcPts val="0"/>
+                        </a:spcAft>
+                        <a:buClrTx/>
+                        <a:buSzTx/>
+                        <a:buFontTx/>
+                        <a:buNone/>
+                        <a:tabLst/>
+                        <a:defRPr/>
+                      </a:pPr>
+                      <a:r>
+                        <a:rPr lang="en-US" altLang="zh-CN" sz="1400" kern="1200" dirty="0" err="1" smtClean="0">
+                          <a:solidFill>
+                            <a:schemeClr val="bg1"/>
+                          </a:solidFill>
+                          <a:effectLst/>
+                          <a:latin typeface="微软雅黑" panose="020B0503020204020204" pitchFamily="34" charset="-122"/>
+                          <a:ea typeface="微软雅黑" panose="020B0503020204020204" pitchFamily="34" charset="-122"/>
+                          <a:cs typeface="+mn-cs"/>
+                        </a:rPr>
+                        <a:t>LockSupport.unpark</a:t>
+                      </a:r>
+                      <a:r>
+                        <a:rPr lang="en-US" altLang="zh-CN" sz="1400" kern="1200" dirty="0" smtClean="0">
+                          <a:solidFill>
+                            <a:schemeClr val="bg1"/>
+                          </a:solidFill>
+                          <a:effectLst/>
+                          <a:latin typeface="微软雅黑" panose="020B0503020204020204" pitchFamily="34" charset="-122"/>
+                          <a:ea typeface="微软雅黑" panose="020B0503020204020204" pitchFamily="34" charset="-122"/>
+                          <a:cs typeface="+mn-cs"/>
+                        </a:rPr>
+                        <a:t>() </a:t>
+                      </a:r>
+                      <a:r>
+                        <a:rPr lang="zh-CN" altLang="en-US" sz="1400" kern="1200" dirty="0" smtClean="0">
+                          <a:solidFill>
+                            <a:schemeClr val="bg1"/>
+                          </a:solidFill>
+                          <a:effectLst/>
+                          <a:latin typeface="微软雅黑" panose="020B0503020204020204" pitchFamily="34" charset="-122"/>
+                          <a:ea typeface="微软雅黑" panose="020B0503020204020204" pitchFamily="34" charset="-122"/>
+                          <a:cs typeface="+mn-cs"/>
+                        </a:rPr>
+                        <a:t>方法</a:t>
+                      </a:r>
+                      <a:endParaRPr lang="zh-CN" altLang="en-US" sz="1400" kern="1200" dirty="0">
+                        <a:solidFill>
+                          <a:schemeClr val="bg1"/>
+                        </a:solidFill>
+                        <a:effectLst/>
+                        <a:latin typeface="微软雅黑" panose="020B0503020204020204" pitchFamily="34" charset="-122"/>
+                        <a:ea typeface="微软雅黑" panose="020B0503020204020204" pitchFamily="34" charset="-122"/>
+                        <a:cs typeface="+mn-cs"/>
+                      </a:endParaRPr>
+                    </a:p>
+                  </a:txBody>
+                  <a:tcPr marL="18100" marR="18100" marT="18100" marB="18100" anchor="ctr">
+                    <a:lnL w="9525" cap="flat" cmpd="sng" algn="ctr">
+                      <a:solidFill>
+                        <a:srgbClr val="DDDDDD"/>
+                      </a:solidFill>
+                      <a:prstDash val="solid"/>
+                      <a:round/>
+                      <a:headEnd type="none" w="med" len="med"/>
+                      <a:tailEnd type="none" w="med" len="med"/>
+                    </a:lnL>
+                    <a:lnR w="9525" cap="flat" cmpd="sng" algn="ctr">
+                      <a:solidFill>
+                        <a:srgbClr val="DDDDDD"/>
+                      </a:solidFill>
+                      <a:prstDash val="solid"/>
+                      <a:round/>
+                      <a:headEnd type="none" w="med" len="med"/>
+                      <a:tailEnd type="none" w="med" len="med"/>
+                    </a:lnR>
+                    <a:lnT w="9525" cap="flat" cmpd="sng" algn="ctr">
+                      <a:solidFill>
+                        <a:srgbClr val="DDDDDD"/>
+                      </a:solidFill>
+                      <a:prstDash val="solid"/>
+                      <a:round/>
+                      <a:headEnd type="none" w="med" len="med"/>
+                      <a:tailEnd type="none" w="med" len="med"/>
+                    </a:lnT>
+                    <a:lnB w="9525" cap="flat" cmpd="sng" algn="ctr">
+                      <a:solidFill>
+                        <a:srgbClr val="DDDDDD"/>
+                      </a:solidFill>
+                      <a:prstDash val="solid"/>
+                      <a:round/>
+                      <a:headEnd type="none" w="med" len="med"/>
+                      <a:tailEnd type="none" w="med" len="med"/>
+                    </a:lnB>
+                    <a:noFill/>
+                  </a:tcPr>
+                </a:tc>
               </a:tr>
             </a:tbl>
           </a:graphicData>
@@ -7584,7 +7792,7 @@
           <p:cNvPr id="31" name="流程图: 过程 30">
             <a:extLst>
               <a:ext uri="{FF2B5EF4-FFF2-40B4-BE49-F238E27FC236}">
-                <a16:creationId xmlns:a16="http://schemas.microsoft.com/office/drawing/2014/main" xmlns="" id="{DEE6F68B-D383-4456-A945-5D2426316FC6}"/>
+                <a16:creationId xmlns="" xmlns:a16="http://schemas.microsoft.com/office/drawing/2014/main" id="{DEE6F68B-D383-4456-A945-5D2426316FC6}"/>
               </a:ext>
             </a:extLst>
           </p:cNvPr>
@@ -7593,7 +7801,7 @@
         </p:nvSpPr>
         <p:spPr>
           <a:xfrm>
-            <a:off x="4007768" y="3690052"/>
+            <a:off x="4060272" y="4279805"/>
             <a:ext cx="3096344" cy="450501"/>
           </a:xfrm>
           <a:prstGeom prst="flowChartProcess">
@@ -7690,7 +7898,7 @@
           <p:cNvPr id="29" name="图片 28">
             <a:extLst>
               <a:ext uri="{FF2B5EF4-FFF2-40B4-BE49-F238E27FC236}">
-                <a16:creationId xmlns:a16="http://schemas.microsoft.com/office/drawing/2014/main" xmlns="" id="{C49BA596-B860-41A3-9734-D1BA0CD74A42}"/>
+                <a16:creationId xmlns="" xmlns:a16="http://schemas.microsoft.com/office/drawing/2014/main" id="{C49BA596-B860-41A3-9734-D1BA0CD74A42}"/>
               </a:ext>
             </a:extLst>
           </p:cNvPr>
@@ -7714,7 +7922,7 @@
         <p:spPr>
           <a:xfrm>
             <a:off x="1756016" y="1988840"/>
-            <a:ext cx="8136904" cy="2880320"/>
+            <a:ext cx="8136904" cy="3888432"/>
           </a:xfrm>
           <a:prstGeom prst="rect">
             <a:avLst/>
@@ -7732,7 +7940,7 @@
           <p:cNvPr id="30" name="表格 29">
             <a:extLst>
               <a:ext uri="{FF2B5EF4-FFF2-40B4-BE49-F238E27FC236}">
-                <a16:creationId xmlns:a16="http://schemas.microsoft.com/office/drawing/2014/main" xmlns="" id="{FF252C29-EF21-4355-A912-49256C22FA06}"/>
+                <a16:creationId xmlns="" xmlns:a16="http://schemas.microsoft.com/office/drawing/2014/main" id="{FF252C29-EF21-4355-A912-49256C22FA06}"/>
               </a:ext>
             </a:extLst>
           </p:cNvPr>
@@ -7742,14 +7950,14 @@
           <p:nvPr>
             <p:extLst>
               <p:ext uri="{D42A27DB-BD31-4B8C-83A1-F6EECF244321}">
-                <p14:modId xmlns:p14="http://schemas.microsoft.com/office/powerpoint/2010/main" val="2648982060"/>
+                <p14:modId xmlns:p14="http://schemas.microsoft.com/office/powerpoint/2010/main" val="3549375902"/>
               </p:ext>
             </p:extLst>
           </p:nvPr>
         </p:nvGraphicFramePr>
         <p:xfrm>
           <a:off x="2024544" y="2236608"/>
-          <a:ext cx="7599848" cy="1957515"/>
+          <a:ext cx="7599848" cy="3069759"/>
         </p:xfrm>
         <a:graphic>
           <a:graphicData uri="http://schemas.openxmlformats.org/drawingml/2006/table">
@@ -7759,14 +7967,14 @@
                 <a:gridCol w="3543541">
                   <a:extLst>
                     <a:ext uri="{9D8B030D-6E8A-4147-A177-3AD203B41FA5}">
-                      <a16:colId xmlns:a16="http://schemas.microsoft.com/office/drawing/2014/main" xmlns="" val="3723654050"/>
+                      <a16:colId xmlns="" xmlns:a16="http://schemas.microsoft.com/office/drawing/2014/main" val="3723654050"/>
                     </a:ext>
                   </a:extLst>
                 </a:gridCol>
                 <a:gridCol w="4056307">
                   <a:extLst>
                     <a:ext uri="{9D8B030D-6E8A-4147-A177-3AD203B41FA5}">
-                      <a16:colId xmlns:a16="http://schemas.microsoft.com/office/drawing/2014/main" xmlns="" val="4270415431"/>
+                      <a16:colId xmlns="" xmlns:a16="http://schemas.microsoft.com/office/drawing/2014/main" val="4270415431"/>
                     </a:ext>
                   </a:extLst>
                 </a:gridCol>
@@ -7918,7 +8126,7 @@
                 </a:tc>
                 <a:extLst>
                   <a:ext uri="{0D108BD9-81ED-4DB2-BD59-A6C34878D82A}">
-                    <a16:rowId xmlns:a16="http://schemas.microsoft.com/office/drawing/2014/main" xmlns="" val="1556317445"/>
+                    <a16:rowId xmlns="" xmlns:a16="http://schemas.microsoft.com/office/drawing/2014/main" val="1556317445"/>
                   </a:ext>
                 </a:extLst>
               </a:tr>
@@ -8086,7 +8294,7 @@
                 </a:tc>
                 <a:extLst>
                   <a:ext uri="{0D108BD9-81ED-4DB2-BD59-A6C34878D82A}">
-                    <a16:rowId xmlns:a16="http://schemas.microsoft.com/office/drawing/2014/main" xmlns="" val="1172037100"/>
+                    <a16:rowId xmlns="" xmlns:a16="http://schemas.microsoft.com/office/drawing/2014/main" val="1172037100"/>
                   </a:ext>
                 </a:extLst>
               </a:tr>
@@ -8362,7 +8570,7 @@
                 </a:tc>
                 <a:extLst>
                   <a:ext uri="{0D108BD9-81ED-4DB2-BD59-A6C34878D82A}">
-                    <a16:rowId xmlns:a16="http://schemas.microsoft.com/office/drawing/2014/main" xmlns="" val="2243676995"/>
+                    <a16:rowId xmlns="" xmlns:a16="http://schemas.microsoft.com/office/drawing/2014/main" val="2243676995"/>
                   </a:ext>
                 </a:extLst>
               </a:tr>
@@ -8593,9 +8801,377 @@
                 </a:tc>
                 <a:extLst>
                   <a:ext uri="{0D108BD9-81ED-4DB2-BD59-A6C34878D82A}">
-                    <a16:rowId xmlns:a16="http://schemas.microsoft.com/office/drawing/2014/main" xmlns="" val="10003"/>
+                    <a16:rowId xmlns="" xmlns:a16="http://schemas.microsoft.com/office/drawing/2014/main" val="10003"/>
                   </a:ext>
                 </a:extLst>
+              </a:tr>
+              <a:tr h="556122">
+                <a:tc>
+                  <a:txBody>
+                    <a:bodyPr/>
+                    <a:lstStyle/>
+                    <a:p>
+                      <a:pPr algn="ctr" fontAlgn="ctr">
+                        <a:lnSpc>
+                          <a:spcPct val="150000"/>
+                        </a:lnSpc>
+                      </a:pPr>
+                      <a:r>
+                        <a:rPr lang="en-US" altLang="zh-CN" sz="1400" kern="1200" dirty="0" err="1" smtClean="0">
+                          <a:solidFill>
+                            <a:schemeClr val="bg1"/>
+                          </a:solidFill>
+                          <a:effectLst/>
+                          <a:latin typeface="微软雅黑" panose="020B0503020204020204" pitchFamily="34" charset="-122"/>
+                          <a:ea typeface="微软雅黑" panose="020B0503020204020204" pitchFamily="34" charset="-122"/>
+                          <a:cs typeface="+mn-cs"/>
+                        </a:rPr>
+                        <a:t>LockSupport.parkNanos</a:t>
+                      </a:r>
+                      <a:r>
+                        <a:rPr lang="en-US" altLang="zh-CN" sz="1400" kern="1200" dirty="0" smtClean="0">
+                          <a:solidFill>
+                            <a:schemeClr val="bg1"/>
+                          </a:solidFill>
+                          <a:effectLst/>
+                          <a:latin typeface="微软雅黑" panose="020B0503020204020204" pitchFamily="34" charset="-122"/>
+                          <a:ea typeface="微软雅黑" panose="020B0503020204020204" pitchFamily="34" charset="-122"/>
+                          <a:cs typeface="+mn-cs"/>
+                        </a:rPr>
+                        <a:t>() </a:t>
+                      </a:r>
+                      <a:r>
+                        <a:rPr lang="zh-CN" altLang="en-US" sz="1400" kern="1200" dirty="0" smtClean="0">
+                          <a:solidFill>
+                            <a:schemeClr val="bg1"/>
+                          </a:solidFill>
+                          <a:effectLst/>
+                          <a:latin typeface="微软雅黑" panose="020B0503020204020204" pitchFamily="34" charset="-122"/>
+                          <a:ea typeface="微软雅黑" panose="020B0503020204020204" pitchFamily="34" charset="-122"/>
+                          <a:cs typeface="+mn-cs"/>
+                        </a:rPr>
+                        <a:t>方法</a:t>
+                      </a:r>
+                      <a:endParaRPr lang="zh-CN" altLang="en-US" sz="1400" kern="1200" dirty="0">
+                        <a:solidFill>
+                          <a:schemeClr val="bg1"/>
+                        </a:solidFill>
+                        <a:effectLst/>
+                        <a:latin typeface="微软雅黑" panose="020B0503020204020204" pitchFamily="34" charset="-122"/>
+                        <a:ea typeface="微软雅黑" panose="020B0503020204020204" pitchFamily="34" charset="-122"/>
+                        <a:cs typeface="+mn-cs"/>
+                      </a:endParaRPr>
+                    </a:p>
+                  </a:txBody>
+                  <a:tcPr marL="18100" marR="18100" marT="18100" marB="18100" anchor="ctr">
+                    <a:lnL w="9525" cap="flat" cmpd="sng" algn="ctr">
+                      <a:solidFill>
+                        <a:srgbClr val="DDDDDD"/>
+                      </a:solidFill>
+                      <a:prstDash val="solid"/>
+                      <a:round/>
+                      <a:headEnd type="none" w="med" len="med"/>
+                      <a:tailEnd type="none" w="med" len="med"/>
+                    </a:lnL>
+                    <a:lnR w="9525" cap="flat" cmpd="sng" algn="ctr">
+                      <a:solidFill>
+                        <a:srgbClr val="DDDDDD"/>
+                      </a:solidFill>
+                      <a:prstDash val="solid"/>
+                      <a:round/>
+                      <a:headEnd type="none" w="med" len="med"/>
+                      <a:tailEnd type="none" w="med" len="med"/>
+                    </a:lnR>
+                    <a:lnT w="9525" cap="flat" cmpd="sng" algn="ctr">
+                      <a:solidFill>
+                        <a:srgbClr val="DDDDDD"/>
+                      </a:solidFill>
+                      <a:prstDash val="solid"/>
+                      <a:round/>
+                      <a:headEnd type="none" w="med" len="med"/>
+                      <a:tailEnd type="none" w="med" len="med"/>
+                    </a:lnT>
+                    <a:lnB w="9525" cap="flat" cmpd="sng" algn="ctr">
+                      <a:solidFill>
+                        <a:srgbClr val="DDDDDD"/>
+                      </a:solidFill>
+                      <a:prstDash val="solid"/>
+                      <a:round/>
+                      <a:headEnd type="none" w="med" len="med"/>
+                      <a:tailEnd type="none" w="med" len="med"/>
+                    </a:lnB>
+                    <a:noFill/>
+                  </a:tcPr>
+                </a:tc>
+                <a:tc>
+                  <a:txBody>
+                    <a:bodyPr/>
+                    <a:lstStyle/>
+                    <a:p>
+                      <a:pPr marL="0" marR="0" lvl="0" indent="0" algn="ctr" defTabSz="914400" rtl="0" eaLnBrk="1" fontAlgn="ctr" latinLnBrk="0" hangingPunct="1">
+                        <a:lnSpc>
+                          <a:spcPct val="150000"/>
+                        </a:lnSpc>
+                        <a:spcBef>
+                          <a:spcPts val="0"/>
+                        </a:spcBef>
+                        <a:spcAft>
+                          <a:spcPts val="0"/>
+                        </a:spcAft>
+                        <a:buClrTx/>
+                        <a:buSzTx/>
+                        <a:buFontTx/>
+                        <a:buNone/>
+                        <a:tabLst/>
+                        <a:defRPr/>
+                      </a:pPr>
+                      <a:r>
+                        <a:rPr lang="en-US" altLang="zh-CN" sz="1400" kern="1200" dirty="0" smtClean="0">
+                          <a:solidFill>
+                            <a:schemeClr val="bg1"/>
+                          </a:solidFill>
+                          <a:effectLst/>
+                          <a:latin typeface="微软雅黑" panose="020B0503020204020204" pitchFamily="34" charset="-122"/>
+                          <a:ea typeface="微软雅黑" panose="020B0503020204020204" pitchFamily="34" charset="-122"/>
+                          <a:cs typeface="+mn-cs"/>
+                        </a:rPr>
+                        <a:t>-</a:t>
+                      </a:r>
+                      <a:endParaRPr lang="zh-CN" altLang="en-US" sz="1400" kern="1200" dirty="0">
+                        <a:solidFill>
+                          <a:schemeClr val="bg1"/>
+                        </a:solidFill>
+                        <a:effectLst/>
+                        <a:latin typeface="微软雅黑" panose="020B0503020204020204" pitchFamily="34" charset="-122"/>
+                        <a:ea typeface="微软雅黑" panose="020B0503020204020204" pitchFamily="34" charset="-122"/>
+                        <a:cs typeface="+mn-cs"/>
+                      </a:endParaRPr>
+                    </a:p>
+                  </a:txBody>
+                  <a:tcPr marL="18100" marR="18100" marT="18100" marB="18100" anchor="ctr">
+                    <a:lnL w="9525" cap="flat" cmpd="sng" algn="ctr">
+                      <a:solidFill>
+                        <a:srgbClr val="DDDDDD"/>
+                      </a:solidFill>
+                      <a:prstDash val="solid"/>
+                      <a:round/>
+                      <a:headEnd type="none" w="med" len="med"/>
+                      <a:tailEnd type="none" w="med" len="med"/>
+                    </a:lnL>
+                    <a:lnR w="9525" cap="flat" cmpd="sng" algn="ctr">
+                      <a:solidFill>
+                        <a:srgbClr val="DDDDDD"/>
+                      </a:solidFill>
+                      <a:prstDash val="solid"/>
+                      <a:round/>
+                      <a:headEnd type="none" w="med" len="med"/>
+                      <a:tailEnd type="none" w="med" len="med"/>
+                    </a:lnR>
+                    <a:lnT w="9525" cap="flat" cmpd="sng" algn="ctr">
+                      <a:solidFill>
+                        <a:srgbClr val="DDDDDD"/>
+                      </a:solidFill>
+                      <a:prstDash val="solid"/>
+                      <a:round/>
+                      <a:headEnd type="none" w="med" len="med"/>
+                      <a:tailEnd type="none" w="med" len="med"/>
+                    </a:lnT>
+                    <a:lnB w="9525" cap="flat" cmpd="sng" algn="ctr">
+                      <a:solidFill>
+                        <a:srgbClr val="DDDDDD"/>
+                      </a:solidFill>
+                      <a:prstDash val="solid"/>
+                      <a:round/>
+                      <a:headEnd type="none" w="med" len="med"/>
+                      <a:tailEnd type="none" w="med" len="med"/>
+                    </a:lnB>
+                    <a:noFill/>
+                  </a:tcPr>
+                </a:tc>
+              </a:tr>
+              <a:tr h="556122">
+                <a:tc>
+                  <a:txBody>
+                    <a:bodyPr/>
+                    <a:lstStyle/>
+                    <a:p>
+                      <a:pPr algn="ctr" fontAlgn="ctr">
+                        <a:lnSpc>
+                          <a:spcPct val="150000"/>
+                        </a:lnSpc>
+                      </a:pPr>
+                      <a:r>
+                        <a:rPr lang="en-US" altLang="zh-CN" sz="1400" kern="1200" dirty="0" err="1" smtClean="0">
+                          <a:solidFill>
+                            <a:schemeClr val="bg1"/>
+                          </a:solidFill>
+                          <a:effectLst/>
+                          <a:latin typeface="微软雅黑" panose="020B0503020204020204" pitchFamily="34" charset="-122"/>
+                          <a:ea typeface="微软雅黑" panose="020B0503020204020204" pitchFamily="34" charset="-122"/>
+                          <a:cs typeface="+mn-cs"/>
+                        </a:rPr>
+                        <a:t>LockSupport.parkUntil</a:t>
+                      </a:r>
+                      <a:r>
+                        <a:rPr lang="en-US" altLang="zh-CN" sz="1400" kern="1200" dirty="0" smtClean="0">
+                          <a:solidFill>
+                            <a:schemeClr val="bg1"/>
+                          </a:solidFill>
+                          <a:effectLst/>
+                          <a:latin typeface="微软雅黑" panose="020B0503020204020204" pitchFamily="34" charset="-122"/>
+                          <a:ea typeface="微软雅黑" panose="020B0503020204020204" pitchFamily="34" charset="-122"/>
+                          <a:cs typeface="+mn-cs"/>
+                        </a:rPr>
+                        <a:t>() </a:t>
+                      </a:r>
+                      <a:r>
+                        <a:rPr lang="zh-CN" altLang="en-US" sz="1400" kern="1200" dirty="0" smtClean="0">
+                          <a:solidFill>
+                            <a:schemeClr val="bg1"/>
+                          </a:solidFill>
+                          <a:effectLst/>
+                          <a:latin typeface="微软雅黑" panose="020B0503020204020204" pitchFamily="34" charset="-122"/>
+                          <a:ea typeface="微软雅黑" panose="020B0503020204020204" pitchFamily="34" charset="-122"/>
+                          <a:cs typeface="+mn-cs"/>
+                        </a:rPr>
+                        <a:t>方法</a:t>
+                      </a:r>
+                      <a:endParaRPr lang="zh-CN" altLang="en-US" sz="1400" kern="1200" dirty="0">
+                        <a:solidFill>
+                          <a:schemeClr val="bg1"/>
+                        </a:solidFill>
+                        <a:effectLst/>
+                        <a:latin typeface="微软雅黑" panose="020B0503020204020204" pitchFamily="34" charset="-122"/>
+                        <a:ea typeface="微软雅黑" panose="020B0503020204020204" pitchFamily="34" charset="-122"/>
+                        <a:cs typeface="+mn-cs"/>
+                      </a:endParaRPr>
+                    </a:p>
+                  </a:txBody>
+                  <a:tcPr marL="18100" marR="18100" marT="18100" marB="18100" anchor="ctr">
+                    <a:lnL w="9525" cap="flat" cmpd="sng" algn="ctr">
+                      <a:solidFill>
+                        <a:srgbClr val="DDDDDD"/>
+                      </a:solidFill>
+                      <a:prstDash val="solid"/>
+                      <a:round/>
+                      <a:headEnd type="none" w="med" len="med"/>
+                      <a:tailEnd type="none" w="med" len="med"/>
+                    </a:lnL>
+                    <a:lnR w="9525" cap="flat" cmpd="sng" algn="ctr">
+                      <a:solidFill>
+                        <a:srgbClr val="DDDDDD"/>
+                      </a:solidFill>
+                      <a:prstDash val="solid"/>
+                      <a:round/>
+                      <a:headEnd type="none" w="med" len="med"/>
+                      <a:tailEnd type="none" w="med" len="med"/>
+                    </a:lnR>
+                    <a:lnT w="9525" cap="flat" cmpd="sng" algn="ctr">
+                      <a:solidFill>
+                        <a:srgbClr val="DDDDDD"/>
+                      </a:solidFill>
+                      <a:prstDash val="solid"/>
+                      <a:round/>
+                      <a:headEnd type="none" w="med" len="med"/>
+                      <a:tailEnd type="none" w="med" len="med"/>
+                    </a:lnT>
+                    <a:lnB w="9525" cap="flat" cmpd="sng" algn="ctr">
+                      <a:solidFill>
+                        <a:srgbClr val="DDDDDD"/>
+                      </a:solidFill>
+                      <a:prstDash val="solid"/>
+                      <a:round/>
+                      <a:headEnd type="none" w="med" len="med"/>
+                      <a:tailEnd type="none" w="med" len="med"/>
+                    </a:lnB>
+                    <a:noFill/>
+                  </a:tcPr>
+                </a:tc>
+                <a:tc>
+                  <a:txBody>
+                    <a:bodyPr/>
+                    <a:lstStyle/>
+                    <a:p>
+                      <a:pPr marL="0" marR="0" lvl="0" indent="0" algn="ctr" defTabSz="914400" rtl="0" eaLnBrk="1" fontAlgn="ctr" latinLnBrk="0" hangingPunct="1">
+                        <a:lnSpc>
+                          <a:spcPct val="150000"/>
+                        </a:lnSpc>
+                        <a:spcBef>
+                          <a:spcPts val="0"/>
+                        </a:spcBef>
+                        <a:spcAft>
+                          <a:spcPts val="0"/>
+                        </a:spcAft>
+                        <a:buClrTx/>
+                        <a:buSzTx/>
+                        <a:buFontTx/>
+                        <a:buNone/>
+                        <a:tabLst/>
+                        <a:defRPr/>
+                      </a:pPr>
+                      <a:r>
+                        <a:rPr lang="en-US" altLang="zh-CN" sz="1400" kern="1200" dirty="0" smtClean="0">
+                          <a:solidFill>
+                            <a:schemeClr val="bg1"/>
+                          </a:solidFill>
+                          <a:effectLst/>
+                          <a:latin typeface="微软雅黑" panose="020B0503020204020204" pitchFamily="34" charset="-122"/>
+                          <a:ea typeface="微软雅黑" panose="020B0503020204020204" pitchFamily="34" charset="-122"/>
+                          <a:cs typeface="+mn-cs"/>
+                        </a:rPr>
+                        <a:t>-</a:t>
+                      </a:r>
+                      <a:endParaRPr lang="zh-CN" altLang="en-US" sz="1400" kern="1200" dirty="0">
+                        <a:solidFill>
+                          <a:schemeClr val="bg1"/>
+                        </a:solidFill>
+                        <a:effectLst/>
+                        <a:latin typeface="微软雅黑" panose="020B0503020204020204" pitchFamily="34" charset="-122"/>
+                        <a:ea typeface="微软雅黑" panose="020B0503020204020204" pitchFamily="34" charset="-122"/>
+                        <a:cs typeface="+mn-cs"/>
+                      </a:endParaRPr>
+                    </a:p>
+                  </a:txBody>
+                  <a:tcPr marL="18100" marR="18100" marT="18100" marB="18100" anchor="ctr">
+                    <a:lnL w="9525" cap="flat" cmpd="sng" algn="ctr">
+                      <a:solidFill>
+                        <a:srgbClr val="DDDDDD"/>
+                      </a:solidFill>
+                      <a:prstDash val="solid"/>
+                      <a:round/>
+                      <a:headEnd type="none" w="med" len="med"/>
+                      <a:tailEnd type="none" w="med" len="med"/>
+                    </a:lnL>
+                    <a:lnR w="9525" cap="flat" cmpd="sng" algn="ctr">
+                      <a:solidFill>
+                        <a:srgbClr val="DDDDDD"/>
+                      </a:solidFill>
+                      <a:prstDash val="solid"/>
+                      <a:round/>
+                      <a:headEnd type="none" w="med" len="med"/>
+                      <a:tailEnd type="none" w="med" len="med"/>
+                    </a:lnR>
+                    <a:lnT w="9525" cap="flat" cmpd="sng" algn="ctr">
+                      <a:solidFill>
+                        <a:srgbClr val="DDDDDD"/>
+                      </a:solidFill>
+                      <a:prstDash val="solid"/>
+                      <a:round/>
+                      <a:headEnd type="none" w="med" len="med"/>
+                      <a:tailEnd type="none" w="med" len="med"/>
+                    </a:lnT>
+                    <a:lnB w="9525" cap="flat" cmpd="sng" algn="ctr">
+                      <a:solidFill>
+                        <a:srgbClr val="DDDDDD"/>
+                      </a:solidFill>
+                      <a:prstDash val="solid"/>
+                      <a:round/>
+                      <a:headEnd type="none" w="med" len="med"/>
+                      <a:tailEnd type="none" w="med" len="med"/>
+                    </a:lnB>
+                    <a:noFill/>
+                  </a:tcPr>
+                </a:tc>
               </a:tr>
             </a:tbl>
           </a:graphicData>
@@ -8606,7 +9182,7 @@
           <p:cNvPr id="31" name="流程图: 过程 30">
             <a:extLst>
               <a:ext uri="{FF2B5EF4-FFF2-40B4-BE49-F238E27FC236}">
-                <a16:creationId xmlns:a16="http://schemas.microsoft.com/office/drawing/2014/main" xmlns="" id="{DEE6F68B-D383-4456-A945-5D2426316FC6}"/>
+                <a16:creationId xmlns="" xmlns:a16="http://schemas.microsoft.com/office/drawing/2014/main" id="{DEE6F68B-D383-4456-A945-5D2426316FC6}"/>
               </a:ext>
             </a:extLst>
           </p:cNvPr>
@@ -8615,7 +9191,7 @@
         </p:nvSpPr>
         <p:spPr>
           <a:xfrm>
-            <a:off x="4007768" y="4306391"/>
+            <a:off x="4276296" y="5374795"/>
             <a:ext cx="3096344" cy="450501"/>
           </a:xfrm>
           <a:prstGeom prst="flowChartProcess">
@@ -8712,7 +9288,7 @@
           <p:cNvPr id="11" name="图片 10">
             <a:extLst>
               <a:ext uri="{FF2B5EF4-FFF2-40B4-BE49-F238E27FC236}">
-                <a16:creationId xmlns:a16="http://schemas.microsoft.com/office/drawing/2014/main" xmlns="" id="{C49BA596-B860-41A3-9734-D1BA0CD74A42}"/>
+                <a16:creationId xmlns="" xmlns:a16="http://schemas.microsoft.com/office/drawing/2014/main" id="{C49BA596-B860-41A3-9734-D1BA0CD74A42}"/>
               </a:ext>
             </a:extLst>
           </p:cNvPr>
@@ -9050,7 +9626,7 @@
           <p:cNvPr id="17" name="图片 16">
             <a:extLst>
               <a:ext uri="{FF2B5EF4-FFF2-40B4-BE49-F238E27FC236}">
-                <a16:creationId xmlns:a16="http://schemas.microsoft.com/office/drawing/2014/main" xmlns="" id="{C49BA596-B860-41A3-9734-D1BA0CD74A42}"/>
+                <a16:creationId xmlns="" xmlns:a16="http://schemas.microsoft.com/office/drawing/2014/main" id="{C49BA596-B860-41A3-9734-D1BA0CD74A42}"/>
               </a:ext>
             </a:extLst>
           </p:cNvPr>
@@ -9433,7 +10009,7 @@
           <p:cNvPr id="14" name="流程图: 过程 13">
             <a:extLst>
               <a:ext uri="{FF2B5EF4-FFF2-40B4-BE49-F238E27FC236}">
-                <a16:creationId xmlns:a16="http://schemas.microsoft.com/office/drawing/2014/main" xmlns="" id="{DEE6F68B-D383-4456-A945-5D2426316FC6}"/>
+                <a16:creationId xmlns="" xmlns:a16="http://schemas.microsoft.com/office/drawing/2014/main" id="{DEE6F68B-D383-4456-A945-5D2426316FC6}"/>
               </a:ext>
             </a:extLst>
           </p:cNvPr>
@@ -9506,7 +10082,7 @@
           <p:cNvPr id="15" name="流程图: 过程 14">
             <a:extLst>
               <a:ext uri="{FF2B5EF4-FFF2-40B4-BE49-F238E27FC236}">
-                <a16:creationId xmlns:a16="http://schemas.microsoft.com/office/drawing/2014/main" xmlns="" id="{DEE6F68B-D383-4456-A945-5D2426316FC6}"/>
+                <a16:creationId xmlns="" xmlns:a16="http://schemas.microsoft.com/office/drawing/2014/main" id="{DEE6F68B-D383-4456-A945-5D2426316FC6}"/>
               </a:ext>
             </a:extLst>
           </p:cNvPr>
@@ -9583,7 +10159,7 @@
           <p:cNvPr id="16" name="流程图: 过程 15">
             <a:extLst>
               <a:ext uri="{FF2B5EF4-FFF2-40B4-BE49-F238E27FC236}">
-                <a16:creationId xmlns:a16="http://schemas.microsoft.com/office/drawing/2014/main" xmlns="" id="{DEE6F68B-D383-4456-A945-5D2426316FC6}"/>
+                <a16:creationId xmlns="" xmlns:a16="http://schemas.microsoft.com/office/drawing/2014/main" id="{DEE6F68B-D383-4456-A945-5D2426316FC6}"/>
               </a:ext>
             </a:extLst>
           </p:cNvPr>
@@ -9693,7 +10269,7 @@
           <p:cNvPr id="46" name="图片 45">
             <a:extLst>
               <a:ext uri="{FF2B5EF4-FFF2-40B4-BE49-F238E27FC236}">
-                <a16:creationId xmlns:a16="http://schemas.microsoft.com/office/drawing/2014/main" xmlns="" id="{C49BA596-B860-41A3-9734-D1BA0CD74A42}"/>
+                <a16:creationId xmlns="" xmlns:a16="http://schemas.microsoft.com/office/drawing/2014/main" id="{C49BA596-B860-41A3-9734-D1BA0CD74A42}"/>
               </a:ext>
             </a:extLst>
           </p:cNvPr>
@@ -9735,7 +10311,7 @@
           <p:cNvPr id="10" name="图片 9">
             <a:extLst>
               <a:ext uri="{FF2B5EF4-FFF2-40B4-BE49-F238E27FC236}">
-                <a16:creationId xmlns:a16="http://schemas.microsoft.com/office/drawing/2014/main" xmlns="" id="{B27082CE-F585-4353-A929-E3F22C942B9B}"/>
+                <a16:creationId xmlns="" xmlns:a16="http://schemas.microsoft.com/office/drawing/2014/main" id="{B27082CE-F585-4353-A929-E3F22C942B9B}"/>
               </a:ext>
             </a:extLst>
           </p:cNvPr>
@@ -9778,7 +10354,7 @@
           <p:cNvPr id="11" name="矩形 10">
             <a:extLst>
               <a:ext uri="{FF2B5EF4-FFF2-40B4-BE49-F238E27FC236}">
-                <a16:creationId xmlns:a16="http://schemas.microsoft.com/office/drawing/2014/main" xmlns="" id="{5A144FCF-CFF8-4F8F-874F-5264DB762EA9}"/>
+                <a16:creationId xmlns="" xmlns:a16="http://schemas.microsoft.com/office/drawing/2014/main" id="{5A144FCF-CFF8-4F8F-874F-5264DB762EA9}"/>
               </a:ext>
             </a:extLst>
           </p:cNvPr>
@@ -9832,7 +10408,7 @@
           <p:cNvPr id="13" name="矩形 12">
             <a:extLst>
               <a:ext uri="{FF2B5EF4-FFF2-40B4-BE49-F238E27FC236}">
-                <a16:creationId xmlns:a16="http://schemas.microsoft.com/office/drawing/2014/main" xmlns="" id="{5A144FCF-CFF8-4F8F-874F-5264DB762EA9}"/>
+                <a16:creationId xmlns="" xmlns:a16="http://schemas.microsoft.com/office/drawing/2014/main" id="{5A144FCF-CFF8-4F8F-874F-5264DB762EA9}"/>
               </a:ext>
             </a:extLst>
           </p:cNvPr>
@@ -9882,7 +10458,7 @@
           <p:cNvPr id="18" name="流程图: 过程 17">
             <a:extLst>
               <a:ext uri="{FF2B5EF4-FFF2-40B4-BE49-F238E27FC236}">
-                <a16:creationId xmlns:a16="http://schemas.microsoft.com/office/drawing/2014/main" xmlns="" id="{BDED005D-0EFC-426D-AA82-B1BDCA6FFD69}"/>
+                <a16:creationId xmlns="" xmlns:a16="http://schemas.microsoft.com/office/drawing/2014/main" id="{BDED005D-0EFC-426D-AA82-B1BDCA6FFD69}"/>
               </a:ext>
             </a:extLst>
           </p:cNvPr>
@@ -9947,7 +10523,7 @@
           <p:cNvPr id="22" name="矩形 21">
             <a:extLst>
               <a:ext uri="{FF2B5EF4-FFF2-40B4-BE49-F238E27FC236}">
-                <a16:creationId xmlns:a16="http://schemas.microsoft.com/office/drawing/2014/main" xmlns="" id="{5A144FCF-CFF8-4F8F-874F-5264DB762EA9}"/>
+                <a16:creationId xmlns="" xmlns:a16="http://schemas.microsoft.com/office/drawing/2014/main" id="{5A144FCF-CFF8-4F8F-874F-5264DB762EA9}"/>
               </a:ext>
             </a:extLst>
           </p:cNvPr>
@@ -10001,7 +10577,7 @@
           <p:cNvPr id="23" name="矩形 22">
             <a:extLst>
               <a:ext uri="{FF2B5EF4-FFF2-40B4-BE49-F238E27FC236}">
-                <a16:creationId xmlns:a16="http://schemas.microsoft.com/office/drawing/2014/main" xmlns="" id="{5A144FCF-CFF8-4F8F-874F-5264DB762EA9}"/>
+                <a16:creationId xmlns="" xmlns:a16="http://schemas.microsoft.com/office/drawing/2014/main" id="{5A144FCF-CFF8-4F8F-874F-5264DB762EA9}"/>
               </a:ext>
             </a:extLst>
           </p:cNvPr>
@@ -10062,7 +10638,7 @@
           <p:cNvPr id="26" name="矩形 25">
             <a:extLst>
               <a:ext uri="{FF2B5EF4-FFF2-40B4-BE49-F238E27FC236}">
-                <a16:creationId xmlns:a16="http://schemas.microsoft.com/office/drawing/2014/main" xmlns="" id="{5A144FCF-CFF8-4F8F-874F-5264DB762EA9}"/>
+                <a16:creationId xmlns="" xmlns:a16="http://schemas.microsoft.com/office/drawing/2014/main" id="{5A144FCF-CFF8-4F8F-874F-5264DB762EA9}"/>
               </a:ext>
             </a:extLst>
           </p:cNvPr>
@@ -10195,7 +10771,7 @@
           <p:cNvPr id="31" name="矩形 30">
             <a:extLst>
               <a:ext uri="{FF2B5EF4-FFF2-40B4-BE49-F238E27FC236}">
-                <a16:creationId xmlns:a16="http://schemas.microsoft.com/office/drawing/2014/main" xmlns="" id="{5A144FCF-CFF8-4F8F-874F-5264DB762EA9}"/>
+                <a16:creationId xmlns="" xmlns:a16="http://schemas.microsoft.com/office/drawing/2014/main" id="{5A144FCF-CFF8-4F8F-874F-5264DB762EA9}"/>
               </a:ext>
             </a:extLst>
           </p:cNvPr>
@@ -10240,7 +10816,7 @@
           <p:cNvPr id="32" name="图片 31">
             <a:extLst>
               <a:ext uri="{FF2B5EF4-FFF2-40B4-BE49-F238E27FC236}">
-                <a16:creationId xmlns:a16="http://schemas.microsoft.com/office/drawing/2014/main" xmlns="" id="{B27082CE-F585-4353-A929-E3F22C942B9B}"/>
+                <a16:creationId xmlns="" xmlns:a16="http://schemas.microsoft.com/office/drawing/2014/main" id="{B27082CE-F585-4353-A929-E3F22C942B9B}"/>
               </a:ext>
             </a:extLst>
           </p:cNvPr>
@@ -10283,7 +10859,7 @@
           <p:cNvPr id="33" name="矩形 32">
             <a:extLst>
               <a:ext uri="{FF2B5EF4-FFF2-40B4-BE49-F238E27FC236}">
-                <a16:creationId xmlns:a16="http://schemas.microsoft.com/office/drawing/2014/main" xmlns="" id="{5A144FCF-CFF8-4F8F-874F-5264DB762EA9}"/>
+                <a16:creationId xmlns="" xmlns:a16="http://schemas.microsoft.com/office/drawing/2014/main" id="{5A144FCF-CFF8-4F8F-874F-5264DB762EA9}"/>
               </a:ext>
             </a:extLst>
           </p:cNvPr>
@@ -10337,7 +10913,7 @@
           <p:cNvPr id="34" name="矩形 33">
             <a:extLst>
               <a:ext uri="{FF2B5EF4-FFF2-40B4-BE49-F238E27FC236}">
-                <a16:creationId xmlns:a16="http://schemas.microsoft.com/office/drawing/2014/main" xmlns="" id="{5A144FCF-CFF8-4F8F-874F-5264DB762EA9}"/>
+                <a16:creationId xmlns="" xmlns:a16="http://schemas.microsoft.com/office/drawing/2014/main" id="{5A144FCF-CFF8-4F8F-874F-5264DB762EA9}"/>
               </a:ext>
             </a:extLst>
           </p:cNvPr>
@@ -10387,7 +10963,7 @@
           <p:cNvPr id="35" name="流程图: 过程 34">
             <a:extLst>
               <a:ext uri="{FF2B5EF4-FFF2-40B4-BE49-F238E27FC236}">
-                <a16:creationId xmlns:a16="http://schemas.microsoft.com/office/drawing/2014/main" xmlns="" id="{BDED005D-0EFC-426D-AA82-B1BDCA6FFD69}"/>
+                <a16:creationId xmlns="" xmlns:a16="http://schemas.microsoft.com/office/drawing/2014/main" id="{BDED005D-0EFC-426D-AA82-B1BDCA6FFD69}"/>
               </a:ext>
             </a:extLst>
           </p:cNvPr>
@@ -10452,7 +11028,7 @@
           <p:cNvPr id="36" name="矩形 35">
             <a:extLst>
               <a:ext uri="{FF2B5EF4-FFF2-40B4-BE49-F238E27FC236}">
-                <a16:creationId xmlns:a16="http://schemas.microsoft.com/office/drawing/2014/main" xmlns="" id="{5A144FCF-CFF8-4F8F-874F-5264DB762EA9}"/>
+                <a16:creationId xmlns="" xmlns:a16="http://schemas.microsoft.com/office/drawing/2014/main" id="{5A144FCF-CFF8-4F8F-874F-5264DB762EA9}"/>
               </a:ext>
             </a:extLst>
           </p:cNvPr>
@@ -10506,7 +11082,7 @@
           <p:cNvPr id="37" name="矩形 36">
             <a:extLst>
               <a:ext uri="{FF2B5EF4-FFF2-40B4-BE49-F238E27FC236}">
-                <a16:creationId xmlns:a16="http://schemas.microsoft.com/office/drawing/2014/main" xmlns="" id="{5A144FCF-CFF8-4F8F-874F-5264DB762EA9}"/>
+                <a16:creationId xmlns="" xmlns:a16="http://schemas.microsoft.com/office/drawing/2014/main" id="{5A144FCF-CFF8-4F8F-874F-5264DB762EA9}"/>
               </a:ext>
             </a:extLst>
           </p:cNvPr>
@@ -10567,7 +11143,7 @@
           <p:cNvPr id="38" name="矩形 37">
             <a:extLst>
               <a:ext uri="{FF2B5EF4-FFF2-40B4-BE49-F238E27FC236}">
-                <a16:creationId xmlns:a16="http://schemas.microsoft.com/office/drawing/2014/main" xmlns="" id="{5A144FCF-CFF8-4F8F-874F-5264DB762EA9}"/>
+                <a16:creationId xmlns="" xmlns:a16="http://schemas.microsoft.com/office/drawing/2014/main" id="{5A144FCF-CFF8-4F8F-874F-5264DB762EA9}"/>
               </a:ext>
             </a:extLst>
           </p:cNvPr>
@@ -10700,7 +11276,7 @@
           <p:cNvPr id="41" name="矩形 40">
             <a:extLst>
               <a:ext uri="{FF2B5EF4-FFF2-40B4-BE49-F238E27FC236}">
-                <a16:creationId xmlns:a16="http://schemas.microsoft.com/office/drawing/2014/main" xmlns="" id="{5A144FCF-CFF8-4F8F-874F-5264DB762EA9}"/>
+                <a16:creationId xmlns="" xmlns:a16="http://schemas.microsoft.com/office/drawing/2014/main" id="{5A144FCF-CFF8-4F8F-874F-5264DB762EA9}"/>
               </a:ext>
             </a:extLst>
           </p:cNvPr>
@@ -10769,7 +11345,7 @@
           <p:cNvPr id="45" name="流程图: 过程 44">
             <a:extLst>
               <a:ext uri="{FF2B5EF4-FFF2-40B4-BE49-F238E27FC236}">
-                <a16:creationId xmlns:a16="http://schemas.microsoft.com/office/drawing/2014/main" xmlns="" id="{DEE6F68B-D383-4456-A945-5D2426316FC6}"/>
+                <a16:creationId xmlns="" xmlns:a16="http://schemas.microsoft.com/office/drawing/2014/main" id="{DEE6F68B-D383-4456-A945-5D2426316FC6}"/>
               </a:ext>
             </a:extLst>
           </p:cNvPr>
